--- a/ce/developer/media/source-DO-NOT-LOCALIZE/api-limit-implementation.pptx
+++ b/ce/developer/media/source-DO-NOT-LOCALIZE/api-limit-implementation.pptx
@@ -2,13 +2,13 @@
 <file path=ppt/presentation.xml><?xml version="1.0" encoding="utf-8"?>
 <p:presentation xmlns:a="http://schemas.openxmlformats.org/drawingml/2006/main" xmlns:r="http://schemas.openxmlformats.org/officeDocument/2006/relationships" xmlns:p="http://schemas.openxmlformats.org/presentationml/2006/main" saveSubsetFonts="1">
   <p:sldMasterIdLst>
-    <p:sldMasterId id="2147483648" r:id="rId1"/>
+    <p:sldMasterId id="2147483648" r:id="rId4"/>
   </p:sldMasterIdLst>
   <p:notesMasterIdLst>
-    <p:notesMasterId r:id="rId3"/>
+    <p:notesMasterId r:id="rId6"/>
   </p:notesMasterIdLst>
   <p:sldIdLst>
-    <p:sldId id="257" r:id="rId2"/>
+    <p:sldId id="257" r:id="rId5"/>
   </p:sldIdLst>
   <p:sldSz cx="12192000" cy="6858000"/>
   <p:notesSz cx="6858000" cy="9144000"/>
@@ -197,7 +197,7 @@
           <a:p>
             <a:fld id="{4F237075-15C9-4A17-9C0C-5D152D2E7F1B}" type="datetimeFigureOut">
               <a:rPr lang="en-US" smtClean="0"/>
-              <a:t>2/16/2018</a:t>
+              <a:t>3/9/2018</a:t>
             </a:fld>
             <a:endParaRPr lang="en-US"/>
           </a:p>
@@ -695,7 +695,7 @@
           <a:p>
             <a:fld id="{779E08C0-4D11-4FC9-A296-FC40A0B78AE7}" type="datetimeFigureOut">
               <a:rPr lang="en-US" smtClean="0"/>
-              <a:t>2/16/2018</a:t>
+              <a:t>3/9/2018</a:t>
             </a:fld>
             <a:endParaRPr lang="en-US"/>
           </a:p>
@@ -893,7 +893,7 @@
           <a:p>
             <a:fld id="{779E08C0-4D11-4FC9-A296-FC40A0B78AE7}" type="datetimeFigureOut">
               <a:rPr lang="en-US" smtClean="0"/>
-              <a:t>2/16/2018</a:t>
+              <a:t>3/9/2018</a:t>
             </a:fld>
             <a:endParaRPr lang="en-US"/>
           </a:p>
@@ -1101,7 +1101,7 @@
           <a:p>
             <a:fld id="{779E08C0-4D11-4FC9-A296-FC40A0B78AE7}" type="datetimeFigureOut">
               <a:rPr lang="en-US" smtClean="0"/>
-              <a:t>2/16/2018</a:t>
+              <a:t>3/9/2018</a:t>
             </a:fld>
             <a:endParaRPr lang="en-US"/>
           </a:p>
@@ -1299,7 +1299,7 @@
           <a:p>
             <a:fld id="{779E08C0-4D11-4FC9-A296-FC40A0B78AE7}" type="datetimeFigureOut">
               <a:rPr lang="en-US" smtClean="0"/>
-              <a:t>2/16/2018</a:t>
+              <a:t>3/9/2018</a:t>
             </a:fld>
             <a:endParaRPr lang="en-US"/>
           </a:p>
@@ -1574,7 +1574,7 @@
           <a:p>
             <a:fld id="{779E08C0-4D11-4FC9-A296-FC40A0B78AE7}" type="datetimeFigureOut">
               <a:rPr lang="en-US" smtClean="0"/>
-              <a:t>2/16/2018</a:t>
+              <a:t>3/9/2018</a:t>
             </a:fld>
             <a:endParaRPr lang="en-US"/>
           </a:p>
@@ -1839,7 +1839,7 @@
           <a:p>
             <a:fld id="{779E08C0-4D11-4FC9-A296-FC40A0B78AE7}" type="datetimeFigureOut">
               <a:rPr lang="en-US" smtClean="0"/>
-              <a:t>2/16/2018</a:t>
+              <a:t>3/9/2018</a:t>
             </a:fld>
             <a:endParaRPr lang="en-US"/>
           </a:p>
@@ -2251,7 +2251,7 @@
           <a:p>
             <a:fld id="{779E08C0-4D11-4FC9-A296-FC40A0B78AE7}" type="datetimeFigureOut">
               <a:rPr lang="en-US" smtClean="0"/>
-              <a:t>2/16/2018</a:t>
+              <a:t>3/9/2018</a:t>
             </a:fld>
             <a:endParaRPr lang="en-US"/>
           </a:p>
@@ -2392,7 +2392,7 @@
           <a:p>
             <a:fld id="{779E08C0-4D11-4FC9-A296-FC40A0B78AE7}" type="datetimeFigureOut">
               <a:rPr lang="en-US" smtClean="0"/>
-              <a:t>2/16/2018</a:t>
+              <a:t>3/9/2018</a:t>
             </a:fld>
             <a:endParaRPr lang="en-US"/>
           </a:p>
@@ -2505,7 +2505,7 @@
           <a:p>
             <a:fld id="{779E08C0-4D11-4FC9-A296-FC40A0B78AE7}" type="datetimeFigureOut">
               <a:rPr lang="en-US" smtClean="0"/>
-              <a:t>2/16/2018</a:t>
+              <a:t>3/9/2018</a:t>
             </a:fld>
             <a:endParaRPr lang="en-US"/>
           </a:p>
@@ -2816,7 +2816,7 @@
           <a:p>
             <a:fld id="{779E08C0-4D11-4FC9-A296-FC40A0B78AE7}" type="datetimeFigureOut">
               <a:rPr lang="en-US" smtClean="0"/>
-              <a:t>2/16/2018</a:t>
+              <a:t>3/9/2018</a:t>
             </a:fld>
             <a:endParaRPr lang="en-US"/>
           </a:p>
@@ -3104,7 +3104,7 @@
           <a:p>
             <a:fld id="{779E08C0-4D11-4FC9-A296-FC40A0B78AE7}" type="datetimeFigureOut">
               <a:rPr lang="en-US" smtClean="0"/>
-              <a:t>2/16/2018</a:t>
+              <a:t>3/9/2018</a:t>
             </a:fld>
             <a:endParaRPr lang="en-US"/>
           </a:p>
@@ -3345,7 +3345,7 @@
           <a:p>
             <a:fld id="{779E08C0-4D11-4FC9-A296-FC40A0B78AE7}" type="datetimeFigureOut">
               <a:rPr lang="en-US" smtClean="0"/>
-              <a:t>2/16/2018</a:t>
+              <a:t>3/9/2018</a:t>
             </a:fld>
             <a:endParaRPr lang="en-US"/>
           </a:p>
@@ -3748,6 +3748,14 @@
 <file path=ppt/slides/slide1.xml><?xml version="1.0" encoding="utf-8"?>
 <p:sld xmlns:a="http://schemas.openxmlformats.org/drawingml/2006/main" xmlns:r="http://schemas.openxmlformats.org/officeDocument/2006/relationships" xmlns:p="http://schemas.openxmlformats.org/presentationml/2006/main">
   <p:cSld>
+    <p:bg>
+      <p:bgPr>
+        <a:solidFill>
+          <a:schemeClr val="bg1"/>
+        </a:solidFill>
+        <a:effectLst/>
+      </p:bgPr>
+    </p:bg>
     <p:spTree>
       <p:nvGrpSpPr>
         <p:cNvPr id="1" name=""/>
@@ -3762,256 +3770,6 @@
           <a:chExt cx="0" cy="0"/>
         </a:xfrm>
       </p:grpSpPr>
-      <p:sp>
-        <p:nvSpPr>
-          <p:cNvPr id="123" name="Rectangle 122">
-            <a:extLst>
-              <a:ext uri="{FF2B5EF4-FFF2-40B4-BE49-F238E27FC236}">
-                <a16:creationId xmlns:a16="http://schemas.microsoft.com/office/drawing/2014/main" id="{D16F3027-A206-4491-9757-3DC537CE5D7B}"/>
-              </a:ext>
-            </a:extLst>
-          </p:cNvPr>
-          <p:cNvSpPr/>
-          <p:nvPr/>
-        </p:nvSpPr>
-        <p:spPr>
-          <a:xfrm>
-            <a:off x="790833" y="155643"/>
-            <a:ext cx="8953860" cy="6507804"/>
-          </a:xfrm>
-          <a:prstGeom prst="rect">
-            <a:avLst/>
-          </a:prstGeom>
-          <a:solidFill>
-            <a:schemeClr val="bg1"/>
-          </a:solidFill>
-          <a:ln>
-            <a:noFill/>
-          </a:ln>
-        </p:spPr>
-        <p:style>
-          <a:lnRef idx="2">
-            <a:schemeClr val="accent1">
-              <a:shade val="50000"/>
-            </a:schemeClr>
-          </a:lnRef>
-          <a:fillRef idx="1">
-            <a:schemeClr val="accent1"/>
-          </a:fillRef>
-          <a:effectRef idx="0">
-            <a:schemeClr val="accent1"/>
-          </a:effectRef>
-          <a:fontRef idx="minor">
-            <a:schemeClr val="lt1"/>
-          </a:fontRef>
-        </p:style>
-        <p:txBody>
-          <a:bodyPr rtlCol="0" anchor="ctr"/>
-          <a:lstStyle/>
-          <a:p>
-            <a:pPr algn="ctr"/>
-            <a:endParaRPr lang="en-US" dirty="0"/>
-          </a:p>
-        </p:txBody>
-      </p:sp>
-      <p:sp>
-        <p:nvSpPr>
-          <p:cNvPr id="21" name="Right Brace 20">
-            <a:extLst>
-              <a:ext uri="{FF2B5EF4-FFF2-40B4-BE49-F238E27FC236}">
-                <a16:creationId xmlns:a16="http://schemas.microsoft.com/office/drawing/2014/main" id="{FD20F276-B04E-46FA-B60A-8763818413D6}"/>
-              </a:ext>
-            </a:extLst>
-          </p:cNvPr>
-          <p:cNvSpPr/>
-          <p:nvPr/>
-        </p:nvSpPr>
-        <p:spPr>
-          <a:xfrm rot="16200000">
-            <a:off x="2803855" y="4926375"/>
-            <a:ext cx="373730" cy="2062661"/>
-          </a:xfrm>
-          <a:prstGeom prst="rightBrace">
-            <a:avLst>
-              <a:gd name="adj1" fmla="val 8333"/>
-              <a:gd name="adj2" fmla="val 47475"/>
-            </a:avLst>
-          </a:prstGeom>
-          <a:ln w="25400">
-            <a:gradFill>
-              <a:gsLst>
-                <a:gs pos="0">
-                  <a:srgbClr val="C3D0EB"/>
-                </a:gs>
-                <a:gs pos="37000">
-                  <a:srgbClr val="83A1D7"/>
-                </a:gs>
-                <a:gs pos="73000">
-                  <a:srgbClr val="6B8FCF"/>
-                </a:gs>
-                <a:gs pos="100000">
-                  <a:schemeClr val="accent1"/>
-                </a:gs>
-              </a:gsLst>
-              <a:lin ang="5400000" scaled="1"/>
-            </a:gradFill>
-          </a:ln>
-        </p:spPr>
-        <p:style>
-          <a:lnRef idx="1">
-            <a:schemeClr val="accent1"/>
-          </a:lnRef>
-          <a:fillRef idx="0">
-            <a:schemeClr val="accent1"/>
-          </a:fillRef>
-          <a:effectRef idx="0">
-            <a:schemeClr val="accent1"/>
-          </a:effectRef>
-          <a:fontRef idx="minor">
-            <a:schemeClr val="tx1"/>
-          </a:fontRef>
-        </p:style>
-        <p:txBody>
-          <a:bodyPr rtlCol="0" anchor="ctr"/>
-          <a:lstStyle/>
-          <a:p>
-            <a:pPr algn="ctr"/>
-            <a:endParaRPr lang="en-US"/>
-          </a:p>
-        </p:txBody>
-      </p:sp>
-      <p:sp>
-        <p:nvSpPr>
-          <p:cNvPr id="65" name="Right Brace 64">
-            <a:extLst>
-              <a:ext uri="{FF2B5EF4-FFF2-40B4-BE49-F238E27FC236}">
-                <a16:creationId xmlns:a16="http://schemas.microsoft.com/office/drawing/2014/main" id="{1105878F-A776-452B-A906-DB3D0D1F5B41}"/>
-              </a:ext>
-            </a:extLst>
-          </p:cNvPr>
-          <p:cNvSpPr/>
-          <p:nvPr/>
-        </p:nvSpPr>
-        <p:spPr>
-          <a:xfrm rot="16200000">
-            <a:off x="3047815" y="4926375"/>
-            <a:ext cx="373730" cy="2062661"/>
-          </a:xfrm>
-          <a:prstGeom prst="rightBrace">
-            <a:avLst>
-              <a:gd name="adj1" fmla="val 8333"/>
-              <a:gd name="adj2" fmla="val 47475"/>
-            </a:avLst>
-          </a:prstGeom>
-          <a:ln w="25400">
-            <a:gradFill>
-              <a:gsLst>
-                <a:gs pos="0">
-                  <a:srgbClr val="C3D0EB"/>
-                </a:gs>
-                <a:gs pos="37000">
-                  <a:srgbClr val="83A1D7"/>
-                </a:gs>
-                <a:gs pos="73000">
-                  <a:srgbClr val="6B8FCF"/>
-                </a:gs>
-                <a:gs pos="100000">
-                  <a:schemeClr val="accent1"/>
-                </a:gs>
-              </a:gsLst>
-              <a:lin ang="5400000" scaled="1"/>
-            </a:gradFill>
-          </a:ln>
-        </p:spPr>
-        <p:style>
-          <a:lnRef idx="1">
-            <a:schemeClr val="accent1"/>
-          </a:lnRef>
-          <a:fillRef idx="0">
-            <a:schemeClr val="accent1"/>
-          </a:fillRef>
-          <a:effectRef idx="0">
-            <a:schemeClr val="accent1"/>
-          </a:effectRef>
-          <a:fontRef idx="minor">
-            <a:schemeClr val="tx1"/>
-          </a:fontRef>
-        </p:style>
-        <p:txBody>
-          <a:bodyPr rtlCol="0" anchor="ctr"/>
-          <a:lstStyle/>
-          <a:p>
-            <a:pPr algn="ctr"/>
-            <a:endParaRPr lang="en-US"/>
-          </a:p>
-        </p:txBody>
-      </p:sp>
-      <p:sp>
-        <p:nvSpPr>
-          <p:cNvPr id="66" name="Right Brace 65">
-            <a:extLst>
-              <a:ext uri="{FF2B5EF4-FFF2-40B4-BE49-F238E27FC236}">
-                <a16:creationId xmlns:a16="http://schemas.microsoft.com/office/drawing/2014/main" id="{6FFEAA88-2136-4A34-BF8C-E82747FD896A}"/>
-              </a:ext>
-            </a:extLst>
-          </p:cNvPr>
-          <p:cNvSpPr/>
-          <p:nvPr/>
-        </p:nvSpPr>
-        <p:spPr>
-          <a:xfrm rot="16200000">
-            <a:off x="3291774" y="4926375"/>
-            <a:ext cx="373730" cy="2062661"/>
-          </a:xfrm>
-          <a:prstGeom prst="rightBrace">
-            <a:avLst>
-              <a:gd name="adj1" fmla="val 8333"/>
-              <a:gd name="adj2" fmla="val 47475"/>
-            </a:avLst>
-          </a:prstGeom>
-          <a:ln w="25400">
-            <a:gradFill>
-              <a:gsLst>
-                <a:gs pos="0">
-                  <a:srgbClr val="C3D0EB"/>
-                </a:gs>
-                <a:gs pos="37000">
-                  <a:srgbClr val="83A1D7"/>
-                </a:gs>
-                <a:gs pos="73000">
-                  <a:srgbClr val="6B8FCF"/>
-                </a:gs>
-                <a:gs pos="100000">
-                  <a:schemeClr val="accent1"/>
-                </a:gs>
-              </a:gsLst>
-              <a:lin ang="5400000" scaled="1"/>
-            </a:gradFill>
-          </a:ln>
-        </p:spPr>
-        <p:style>
-          <a:lnRef idx="1">
-            <a:schemeClr val="accent1"/>
-          </a:lnRef>
-          <a:fillRef idx="0">
-            <a:schemeClr val="accent1"/>
-          </a:fillRef>
-          <a:effectRef idx="0">
-            <a:schemeClr val="accent1"/>
-          </a:effectRef>
-          <a:fontRef idx="minor">
-            <a:schemeClr val="tx1"/>
-          </a:fontRef>
-        </p:style>
-        <p:txBody>
-          <a:bodyPr rtlCol="0" anchor="ctr"/>
-          <a:lstStyle/>
-          <a:p>
-            <a:pPr algn="ctr"/>
-            <a:endParaRPr lang="en-US"/>
-          </a:p>
-        </p:txBody>
-      </p:sp>
       <p:graphicFrame>
         <p:nvGraphicFramePr>
           <p:cNvPr id="2" name="Table 1">
@@ -4027,14 +3785,14 @@
           <p:nvPr>
             <p:extLst>
               <p:ext uri="{D42A27DB-BD31-4B8C-83A1-F6EECF244321}">
-                <p14:modId xmlns:p14="http://schemas.microsoft.com/office/powerpoint/2010/main" val="536476987"/>
+                <p14:modId xmlns:p14="http://schemas.microsoft.com/office/powerpoint/2010/main" val="699098457"/>
               </p:ext>
             </p:extLst>
           </p:nvPr>
         </p:nvGraphicFramePr>
         <p:xfrm>
-          <a:off x="1887167" y="1003572"/>
-          <a:ext cx="5787955" cy="4122909"/>
+          <a:off x="3508577" y="1173254"/>
+          <a:ext cx="5787956" cy="4122909"/>
         </p:xfrm>
         <a:graphic>
           <a:graphicData uri="http://schemas.openxmlformats.org/drawingml/2006/table">
@@ -4057,7 +3815,7 @@
                     </a:ext>
                   </a:extLst>
                 </a:gridCol>
-                <a:gridCol w="1929318">
+                <a:gridCol w="1929319">
                   <a:extLst>
                     <a:ext uri="{9D8B030D-6E8A-4147-A177-3AD203B41FA5}">
                       <a16:colId xmlns:a16="http://schemas.microsoft.com/office/drawing/2014/main" val="1262353694"/>
@@ -4071,9 +3829,16 @@
                     <a:bodyPr/>
                     <a:lstStyle/>
                     <a:p>
-                      <a:pPr algn="ctr"/>
+                      <a:pPr marL="0" algn="ctr" defTabSz="914400" rtl="0" eaLnBrk="1" latinLnBrk="0" hangingPunct="1"/>
                       <a:r>
-                        <a:rPr lang="en-US" dirty="0"/>
+                        <a:rPr lang="en-US" sz="1400" kern="1200" dirty="0">
+                          <a:solidFill>
+                            <a:schemeClr val="tx1"/>
+                          </a:solidFill>
+                          <a:latin typeface="+mn-lt"/>
+                          <a:ea typeface="+mn-ea"/>
+                          <a:cs typeface="+mn-cs"/>
+                        </a:rPr>
                         <a:t>6K</a:t>
                       </a:r>
                     </a:p>
@@ -4128,9 +3893,16 @@
                     <a:bodyPr/>
                     <a:lstStyle/>
                     <a:p>
-                      <a:pPr algn="ctr"/>
+                      <a:pPr marL="0" algn="ctr" defTabSz="914400" rtl="0" eaLnBrk="1" latinLnBrk="0" hangingPunct="1"/>
                       <a:r>
-                        <a:rPr lang="en-US" dirty="0"/>
+                        <a:rPr lang="en-US" sz="1400" kern="1200" dirty="0">
+                          <a:solidFill>
+                            <a:schemeClr val="tx1"/>
+                          </a:solidFill>
+                          <a:latin typeface="+mn-lt"/>
+                          <a:ea typeface="+mn-ea"/>
+                          <a:cs typeface="+mn-cs"/>
+                        </a:rPr>
                         <a:t>7K</a:t>
                       </a:r>
                     </a:p>
@@ -4187,9 +3959,16 @@
                     <a:bodyPr/>
                     <a:lstStyle/>
                     <a:p>
-                      <a:pPr algn="ctr"/>
+                      <a:pPr marL="0" algn="ctr" defTabSz="914400" rtl="0" eaLnBrk="1" latinLnBrk="0" hangingPunct="1"/>
                       <a:r>
-                        <a:rPr lang="en-US" dirty="0"/>
+                        <a:rPr lang="en-US" sz="1400" kern="1200" dirty="0">
+                          <a:solidFill>
+                            <a:schemeClr val="tx1"/>
+                          </a:solidFill>
+                          <a:latin typeface="+mn-lt"/>
+                          <a:ea typeface="+mn-ea"/>
+                          <a:cs typeface="+mn-cs"/>
+                        </a:rPr>
                         <a:t>15K</a:t>
                       </a:r>
                     </a:p>
@@ -4253,9 +4032,16 @@
                     <a:bodyPr/>
                     <a:lstStyle/>
                     <a:p>
-                      <a:pPr algn="ctr"/>
+                      <a:pPr marL="0" algn="ctr" defTabSz="914400" rtl="0" eaLnBrk="1" latinLnBrk="0" hangingPunct="1"/>
                       <a:r>
-                        <a:rPr lang="en-US" dirty="0"/>
+                        <a:rPr lang="en-US" sz="1400" kern="1200" dirty="0">
+                          <a:solidFill>
+                            <a:schemeClr val="tx1"/>
+                          </a:solidFill>
+                          <a:latin typeface="+mn-lt"/>
+                          <a:ea typeface="+mn-ea"/>
+                          <a:cs typeface="+mn-cs"/>
+                        </a:rPr>
                         <a:t>3K</a:t>
                       </a:r>
                     </a:p>
@@ -4310,9 +4096,16 @@
                     <a:bodyPr/>
                     <a:lstStyle/>
                     <a:p>
-                      <a:pPr algn="ctr"/>
+                      <a:pPr marL="0" algn="ctr" defTabSz="914400" rtl="0" eaLnBrk="1" latinLnBrk="0" hangingPunct="1"/>
                       <a:r>
-                        <a:rPr lang="en-US" dirty="0"/>
+                        <a:rPr lang="en-US" sz="1400" kern="1200" dirty="0">
+                          <a:solidFill>
+                            <a:schemeClr val="tx1"/>
+                          </a:solidFill>
+                          <a:latin typeface="+mn-lt"/>
+                          <a:ea typeface="+mn-ea"/>
+                          <a:cs typeface="+mn-cs"/>
+                        </a:rPr>
                         <a:t>6K</a:t>
                       </a:r>
                     </a:p>
@@ -4369,9 +4162,16 @@
                     <a:bodyPr/>
                     <a:lstStyle/>
                     <a:p>
-                      <a:pPr algn="ctr"/>
+                      <a:pPr marL="0" algn="ctr" defTabSz="914400" rtl="0" eaLnBrk="1" latinLnBrk="0" hangingPunct="1"/>
                       <a:r>
-                        <a:rPr lang="en-US" dirty="0"/>
+                        <a:rPr lang="en-US" sz="1400" kern="1200" dirty="0">
+                          <a:solidFill>
+                            <a:schemeClr val="tx1"/>
+                          </a:solidFill>
+                          <a:latin typeface="+mn-lt"/>
+                          <a:ea typeface="+mn-ea"/>
+                          <a:cs typeface="+mn-cs"/>
+                        </a:rPr>
                         <a:t>18K</a:t>
                       </a:r>
                     </a:p>
@@ -4435,9 +4235,16 @@
                     <a:bodyPr/>
                     <a:lstStyle/>
                     <a:p>
-                      <a:pPr algn="ctr"/>
+                      <a:pPr marL="0" algn="ctr" defTabSz="914400" rtl="0" eaLnBrk="1" latinLnBrk="0" hangingPunct="1"/>
                       <a:r>
-                        <a:rPr lang="en-US" dirty="0"/>
+                        <a:rPr lang="en-US" sz="1400" kern="1200" dirty="0">
+                          <a:solidFill>
+                            <a:schemeClr val="tx1"/>
+                          </a:solidFill>
+                          <a:latin typeface="+mn-lt"/>
+                          <a:ea typeface="+mn-ea"/>
+                          <a:cs typeface="+mn-cs"/>
+                        </a:rPr>
                         <a:t>10K</a:t>
                       </a:r>
                     </a:p>
@@ -4492,9 +4299,16 @@
                     <a:bodyPr/>
                     <a:lstStyle/>
                     <a:p>
-                      <a:pPr algn="ctr"/>
+                      <a:pPr marL="0" algn="ctr" defTabSz="914400" rtl="0" eaLnBrk="1" latinLnBrk="0" hangingPunct="1"/>
                       <a:r>
-                        <a:rPr lang="en-US" dirty="0"/>
+                        <a:rPr lang="en-US" sz="1400" kern="1200" dirty="0">
+                          <a:solidFill>
+                            <a:schemeClr val="tx1"/>
+                          </a:solidFill>
+                          <a:latin typeface="+mn-lt"/>
+                          <a:ea typeface="+mn-ea"/>
+                          <a:cs typeface="+mn-cs"/>
+                        </a:rPr>
                         <a:t>25K</a:t>
                       </a:r>
                     </a:p>
@@ -4551,10 +4365,17 @@
                     <a:bodyPr/>
                     <a:lstStyle/>
                     <a:p>
-                      <a:pPr algn="ctr"/>
+                      <a:pPr marL="0" algn="ctr" defTabSz="914400" rtl="0" eaLnBrk="1" latinLnBrk="0" hangingPunct="1"/>
                       <a:r>
-                        <a:rPr lang="en-US" dirty="0"/>
-                        <a:t>75K</a:t>
+                        <a:rPr lang="en-US" sz="1400" kern="1200" dirty="0">
+                          <a:solidFill>
+                            <a:schemeClr val="tx1"/>
+                          </a:solidFill>
+                          <a:latin typeface="+mn-lt"/>
+                          <a:ea typeface="+mn-ea"/>
+                          <a:cs typeface="+mn-cs"/>
+                        </a:rPr>
+                        <a:t>65K</a:t>
                       </a:r>
                     </a:p>
                   </a:txBody>
@@ -5399,7 +5220,7 @@
                       <a:solidFill>
                         <a:schemeClr val="tx1"/>
                       </a:solidFill>
-                      <a:prstDash val="sysDot"/>
+                      <a:prstDash val="solid"/>
                       <a:round/>
                       <a:headEnd type="none" w="med" len="med"/>
                       <a:tailEnd type="none" w="med" len="med"/>
@@ -5626,7 +5447,7 @@
         </p:blipFill>
         <p:spPr>
           <a:xfrm>
-            <a:off x="1400423" y="1003577"/>
+            <a:off x="3021833" y="1173259"/>
             <a:ext cx="457710" cy="457200"/>
           </a:xfrm>
           <a:prstGeom prst="rect">
@@ -5648,7 +5469,7 @@
         </p:nvSpPr>
         <p:spPr>
           <a:xfrm>
-            <a:off x="1984442" y="2715781"/>
+            <a:off x="3605852" y="2885463"/>
             <a:ext cx="496111" cy="953311"/>
           </a:xfrm>
           <a:prstGeom prst="downArrow">
@@ -5683,7 +5504,7 @@
           <a:p>
             <a:pPr algn="ctr"/>
             <a:r>
-              <a:rPr lang="en-US" dirty="0">
+              <a:rPr lang="en-US" sz="1400" dirty="0">
                 <a:solidFill>
                   <a:schemeClr val="tx1"/>
                 </a:solidFill>
@@ -5715,7 +5536,7 @@
         </p:blipFill>
         <p:spPr>
           <a:xfrm>
-            <a:off x="1400423" y="1460777"/>
+            <a:off x="3021833" y="1630459"/>
             <a:ext cx="457710" cy="457200"/>
           </a:xfrm>
           <a:prstGeom prst="rect">
@@ -5745,7 +5566,7 @@
         </p:blipFill>
         <p:spPr>
           <a:xfrm>
-            <a:off x="1400423" y="1917977"/>
+            <a:off x="3021833" y="2087659"/>
             <a:ext cx="457710" cy="457200"/>
           </a:xfrm>
           <a:prstGeom prst="rect">
@@ -5767,7 +5588,7 @@
         </p:nvSpPr>
         <p:spPr>
           <a:xfrm>
-            <a:off x="2577829" y="2715781"/>
+            <a:off x="4199239" y="2885463"/>
             <a:ext cx="496111" cy="953311"/>
           </a:xfrm>
           <a:prstGeom prst="downArrow">
@@ -5802,13 +5623,18 @@
           <a:p>
             <a:pPr algn="ctr"/>
             <a:r>
-              <a:rPr lang="en-US" dirty="0">
+              <a:rPr lang="en-US" sz="1400" dirty="0">
                 <a:solidFill>
                   <a:schemeClr val="tx1"/>
                 </a:solidFill>
               </a:rPr>
               <a:t>3K</a:t>
             </a:r>
+            <a:endParaRPr lang="en-US" dirty="0">
+              <a:solidFill>
+                <a:schemeClr val="tx1"/>
+              </a:solidFill>
+            </a:endParaRPr>
           </a:p>
         </p:txBody>
       </p:sp>
@@ -5826,7 +5652,7 @@
         </p:nvSpPr>
         <p:spPr>
           <a:xfrm>
-            <a:off x="3171066" y="2715781"/>
+            <a:off x="4792476" y="2885463"/>
             <a:ext cx="496111" cy="953311"/>
           </a:xfrm>
           <a:prstGeom prst="downArrow">
@@ -5861,7 +5687,7 @@
           <a:p>
             <a:pPr algn="ctr"/>
             <a:r>
-              <a:rPr lang="en-US" dirty="0">
+              <a:rPr lang="en-US" sz="1400" dirty="0">
                 <a:solidFill>
                   <a:schemeClr val="tx1"/>
                 </a:solidFill>
@@ -5885,7 +5711,7 @@
         </p:nvSpPr>
         <p:spPr>
           <a:xfrm>
-            <a:off x="3926732" y="3192436"/>
+            <a:off x="5548142" y="3362118"/>
             <a:ext cx="496111" cy="953311"/>
           </a:xfrm>
           <a:prstGeom prst="downArrow">
@@ -5920,7 +5746,7 @@
           <a:p>
             <a:pPr algn="ctr"/>
             <a:r>
-              <a:rPr lang="en-US" dirty="0">
+              <a:rPr lang="en-US" sz="1400" dirty="0">
                 <a:solidFill>
                   <a:schemeClr val="tx1"/>
                 </a:solidFill>
@@ -5944,7 +5770,7 @@
         </p:nvSpPr>
         <p:spPr>
           <a:xfrm>
-            <a:off x="4520119" y="3192436"/>
+            <a:off x="6141529" y="3362118"/>
             <a:ext cx="496111" cy="953311"/>
           </a:xfrm>
           <a:prstGeom prst="downArrow">
@@ -5979,7 +5805,7 @@
           <a:p>
             <a:pPr algn="ctr"/>
             <a:r>
-              <a:rPr lang="en-US" dirty="0">
+              <a:rPr lang="en-US" sz="1400" dirty="0">
                 <a:solidFill>
                   <a:schemeClr val="tx1"/>
                 </a:solidFill>
@@ -6003,7 +5829,7 @@
         </p:nvSpPr>
         <p:spPr>
           <a:xfrm>
-            <a:off x="5113356" y="3192436"/>
+            <a:off x="6734766" y="3362118"/>
             <a:ext cx="496111" cy="953311"/>
           </a:xfrm>
           <a:prstGeom prst="downArrow">
@@ -6038,7 +5864,7 @@
           <a:p>
             <a:pPr algn="ctr"/>
             <a:r>
-              <a:rPr lang="en-US" dirty="0">
+              <a:rPr lang="en-US" sz="1400" dirty="0">
                 <a:solidFill>
                   <a:schemeClr val="tx1"/>
                 </a:solidFill>
@@ -6062,7 +5888,7 @@
         </p:nvSpPr>
         <p:spPr>
           <a:xfrm>
-            <a:off x="5860989" y="3669091"/>
+            <a:off x="7482399" y="3838773"/>
             <a:ext cx="496111" cy="953311"/>
           </a:xfrm>
           <a:prstGeom prst="downArrow">
@@ -6097,7 +5923,7 @@
           <a:p>
             <a:pPr algn="ctr"/>
             <a:r>
-              <a:rPr lang="en-US" dirty="0">
+              <a:rPr lang="en-US" sz="1400" dirty="0">
                 <a:solidFill>
                   <a:schemeClr val="tx1"/>
                 </a:solidFill>
@@ -6121,7 +5947,7 @@
         </p:nvSpPr>
         <p:spPr>
           <a:xfrm>
-            <a:off x="6454376" y="3669091"/>
+            <a:off x="8075786" y="3838773"/>
             <a:ext cx="496111" cy="953311"/>
           </a:xfrm>
           <a:prstGeom prst="downArrow">
@@ -6156,7 +5982,7 @@
           <a:p>
             <a:pPr algn="ctr"/>
             <a:r>
-              <a:rPr lang="en-US" dirty="0">
+              <a:rPr lang="en-US" sz="1400" dirty="0">
                 <a:solidFill>
                   <a:schemeClr val="tx1"/>
                 </a:solidFill>
@@ -6180,7 +6006,7 @@
         </p:nvSpPr>
         <p:spPr>
           <a:xfrm>
-            <a:off x="7047613" y="3669091"/>
+            <a:off x="8669023" y="3838773"/>
             <a:ext cx="496111" cy="953311"/>
           </a:xfrm>
           <a:prstGeom prst="downArrow">
@@ -6215,7 +6041,7 @@
           <a:p>
             <a:pPr algn="ctr"/>
             <a:r>
-              <a:rPr lang="en-US" dirty="0">
+              <a:rPr lang="en-US" sz="1400" dirty="0">
                 <a:solidFill>
                   <a:schemeClr val="tx1"/>
                 </a:solidFill>
@@ -6225,2968 +6051,21 @@
           </a:p>
         </p:txBody>
       </p:sp>
-      <p:grpSp>
-        <p:nvGrpSpPr>
-          <p:cNvPr id="64" name="Group 63">
-            <a:extLst>
-              <a:ext uri="{FF2B5EF4-FFF2-40B4-BE49-F238E27FC236}">
-                <a16:creationId xmlns:a16="http://schemas.microsoft.com/office/drawing/2014/main" id="{F267C26B-492B-443B-B197-6605FEFDF5BD}"/>
-              </a:ext>
-            </a:extLst>
-          </p:cNvPr>
-          <p:cNvGrpSpPr/>
+      <p:sp>
+        <p:nvSpPr>
+          <p:cNvPr id="120" name="Speech Bubble: Rectangle 119">
+            <a:extLst>
+              <a:ext uri="{FF2B5EF4-FFF2-40B4-BE49-F238E27FC236}">
+                <a16:creationId xmlns:a16="http://schemas.microsoft.com/office/drawing/2014/main" id="{F9424D07-6CB4-4661-931D-DD4E6D9AAA32}"/>
+              </a:ext>
+            </a:extLst>
+          </p:cNvPr>
+          <p:cNvSpPr/>
           <p:nvPr/>
-        </p:nvGrpSpPr>
-        <p:grpSpPr>
-          <a:xfrm>
-            <a:off x="1869187" y="6144571"/>
-            <a:ext cx="7733490" cy="398847"/>
-            <a:chOff x="1869187" y="6144571"/>
-            <a:chExt cx="7733490" cy="398847"/>
-          </a:xfrm>
-        </p:grpSpPr>
-        <p:grpSp>
-          <p:nvGrpSpPr>
-            <p:cNvPr id="63" name="Group 62">
-              <a:extLst>
-                <a:ext uri="{FF2B5EF4-FFF2-40B4-BE49-F238E27FC236}">
-                  <a16:creationId xmlns:a16="http://schemas.microsoft.com/office/drawing/2014/main" id="{17406199-FE4C-47A4-ABF9-B942CE8A69B2}"/>
-                </a:ext>
-              </a:extLst>
-            </p:cNvPr>
-            <p:cNvGrpSpPr/>
-            <p:nvPr/>
-          </p:nvGrpSpPr>
-          <p:grpSpPr>
-            <a:xfrm>
-              <a:off x="2091973" y="6144571"/>
-              <a:ext cx="7245097" cy="398847"/>
-              <a:chOff x="2091973" y="6144571"/>
-              <a:chExt cx="7245097" cy="398847"/>
-            </a:xfrm>
-          </p:grpSpPr>
-          <p:sp>
-            <p:nvSpPr>
-              <p:cNvPr id="24" name="Oval 23">
-                <a:extLst>
-                  <a:ext uri="{FF2B5EF4-FFF2-40B4-BE49-F238E27FC236}">
-                    <a16:creationId xmlns:a16="http://schemas.microsoft.com/office/drawing/2014/main" id="{86769CD7-98D0-4480-816A-739F06415D6E}"/>
-                  </a:ext>
-                </a:extLst>
-              </p:cNvPr>
-              <p:cNvSpPr/>
-              <p:nvPr/>
-            </p:nvSpPr>
-            <p:spPr>
-              <a:xfrm>
-                <a:off x="2091973" y="6144571"/>
-                <a:ext cx="76236" cy="373730"/>
-              </a:xfrm>
-              <a:prstGeom prst="ellipse">
-                <a:avLst/>
-              </a:prstGeom>
-              <a:noFill/>
-              <a:ln w="15875">
-                <a:gradFill flip="none" rotWithShape="1">
-                  <a:gsLst>
-                    <a:gs pos="0">
-                      <a:schemeClr val="accent1">
-                        <a:lumMod val="5000"/>
-                        <a:lumOff val="95000"/>
-                      </a:schemeClr>
-                    </a:gs>
-                    <a:gs pos="100000">
-                      <a:srgbClr val="2F528F"/>
-                    </a:gs>
-                  </a:gsLst>
-                  <a:lin ang="0" scaled="1"/>
-                  <a:tileRect/>
-                </a:gradFill>
-              </a:ln>
-            </p:spPr>
-            <p:style>
-              <a:lnRef idx="2">
-                <a:schemeClr val="accent1">
-                  <a:shade val="50000"/>
-                </a:schemeClr>
-              </a:lnRef>
-              <a:fillRef idx="1">
-                <a:schemeClr val="accent1"/>
-              </a:fillRef>
-              <a:effectRef idx="0">
-                <a:schemeClr val="accent1"/>
-              </a:effectRef>
-              <a:fontRef idx="minor">
-                <a:schemeClr val="lt1"/>
-              </a:fontRef>
-            </p:style>
-            <p:txBody>
-              <a:bodyPr rtlCol="0" anchor="ctr"/>
-              <a:lstStyle/>
-              <a:p>
-                <a:pPr algn="ctr"/>
-                <a:endParaRPr lang="en-US"/>
-              </a:p>
-            </p:txBody>
-          </p:sp>
-          <p:sp>
-            <p:nvSpPr>
-              <p:cNvPr id="25" name="Oval 24">
-                <a:extLst>
-                  <a:ext uri="{FF2B5EF4-FFF2-40B4-BE49-F238E27FC236}">
-                    <a16:creationId xmlns:a16="http://schemas.microsoft.com/office/drawing/2014/main" id="{10595DC3-AADD-48A3-B8B5-3DBB631A7DE7}"/>
-                  </a:ext>
-                </a:extLst>
-              </p:cNvPr>
-              <p:cNvSpPr/>
-              <p:nvPr/>
-            </p:nvSpPr>
-            <p:spPr>
-              <a:xfrm>
-                <a:off x="2367698" y="6147746"/>
-                <a:ext cx="76236" cy="373730"/>
-              </a:xfrm>
-              <a:prstGeom prst="ellipse">
-                <a:avLst/>
-              </a:prstGeom>
-              <a:noFill/>
-              <a:ln w="15875">
-                <a:gradFill flip="none" rotWithShape="1">
-                  <a:gsLst>
-                    <a:gs pos="0">
-                      <a:schemeClr val="accent1">
-                        <a:lumMod val="5000"/>
-                        <a:lumOff val="95000"/>
-                      </a:schemeClr>
-                    </a:gs>
-                    <a:gs pos="100000">
-                      <a:srgbClr val="2F528F"/>
-                    </a:gs>
-                  </a:gsLst>
-                  <a:lin ang="0" scaled="1"/>
-                  <a:tileRect/>
-                </a:gradFill>
-              </a:ln>
-            </p:spPr>
-            <p:style>
-              <a:lnRef idx="2">
-                <a:schemeClr val="accent1">
-                  <a:shade val="50000"/>
-                </a:schemeClr>
-              </a:lnRef>
-              <a:fillRef idx="1">
-                <a:schemeClr val="accent1"/>
-              </a:fillRef>
-              <a:effectRef idx="0">
-                <a:schemeClr val="accent1"/>
-              </a:effectRef>
-              <a:fontRef idx="minor">
-                <a:schemeClr val="lt1"/>
-              </a:fontRef>
-            </p:style>
-            <p:txBody>
-              <a:bodyPr rtlCol="0" anchor="ctr"/>
-              <a:lstStyle/>
-              <a:p>
-                <a:pPr algn="ctr"/>
-                <a:endParaRPr lang="en-US"/>
-              </a:p>
-            </p:txBody>
-          </p:sp>
-          <p:sp>
-            <p:nvSpPr>
-              <p:cNvPr id="26" name="Oval 25">
-                <a:extLst>
-                  <a:ext uri="{FF2B5EF4-FFF2-40B4-BE49-F238E27FC236}">
-                    <a16:creationId xmlns:a16="http://schemas.microsoft.com/office/drawing/2014/main" id="{388D101A-740D-44DB-8F31-32324014E682}"/>
-                  </a:ext>
-                </a:extLst>
-              </p:cNvPr>
-              <p:cNvSpPr/>
-              <p:nvPr/>
-            </p:nvSpPr>
-            <p:spPr>
-              <a:xfrm>
-                <a:off x="2643423" y="6147746"/>
-                <a:ext cx="76236" cy="373730"/>
-              </a:xfrm>
-              <a:prstGeom prst="ellipse">
-                <a:avLst/>
-              </a:prstGeom>
-              <a:noFill/>
-              <a:ln w="15875">
-                <a:gradFill flip="none" rotWithShape="1">
-                  <a:gsLst>
-                    <a:gs pos="0">
-                      <a:schemeClr val="accent1">
-                        <a:lumMod val="5000"/>
-                        <a:lumOff val="95000"/>
-                      </a:schemeClr>
-                    </a:gs>
-                    <a:gs pos="100000">
-                      <a:srgbClr val="2F528F"/>
-                    </a:gs>
-                  </a:gsLst>
-                  <a:lin ang="0" scaled="1"/>
-                  <a:tileRect/>
-                </a:gradFill>
-              </a:ln>
-            </p:spPr>
-            <p:style>
-              <a:lnRef idx="2">
-                <a:schemeClr val="accent1">
-                  <a:shade val="50000"/>
-                </a:schemeClr>
-              </a:lnRef>
-              <a:fillRef idx="1">
-                <a:schemeClr val="accent1"/>
-              </a:fillRef>
-              <a:effectRef idx="0">
-                <a:schemeClr val="accent1"/>
-              </a:effectRef>
-              <a:fontRef idx="minor">
-                <a:schemeClr val="lt1"/>
-              </a:fontRef>
-            </p:style>
-            <p:txBody>
-              <a:bodyPr rtlCol="0" anchor="ctr"/>
-              <a:lstStyle/>
-              <a:p>
-                <a:pPr algn="ctr"/>
-                <a:endParaRPr lang="en-US"/>
-              </a:p>
-            </p:txBody>
-          </p:sp>
-          <p:sp>
-            <p:nvSpPr>
-              <p:cNvPr id="27" name="Oval 26">
-                <a:extLst>
-                  <a:ext uri="{FF2B5EF4-FFF2-40B4-BE49-F238E27FC236}">
-                    <a16:creationId xmlns:a16="http://schemas.microsoft.com/office/drawing/2014/main" id="{0C923FB2-13FE-45E4-A09E-D8895040A66B}"/>
-                  </a:ext>
-                </a:extLst>
-              </p:cNvPr>
-              <p:cNvSpPr/>
-              <p:nvPr/>
-            </p:nvSpPr>
-            <p:spPr>
-              <a:xfrm>
-                <a:off x="2919148" y="6144571"/>
-                <a:ext cx="76236" cy="373730"/>
-              </a:xfrm>
-              <a:prstGeom prst="ellipse">
-                <a:avLst/>
-              </a:prstGeom>
-              <a:noFill/>
-              <a:ln w="15875">
-                <a:gradFill flip="none" rotWithShape="1">
-                  <a:gsLst>
-                    <a:gs pos="0">
-                      <a:schemeClr val="accent1">
-                        <a:lumMod val="5000"/>
-                        <a:lumOff val="95000"/>
-                      </a:schemeClr>
-                    </a:gs>
-                    <a:gs pos="100000">
-                      <a:srgbClr val="2F528F"/>
-                    </a:gs>
-                  </a:gsLst>
-                  <a:lin ang="0" scaled="1"/>
-                  <a:tileRect/>
-                </a:gradFill>
-              </a:ln>
-            </p:spPr>
-            <p:style>
-              <a:lnRef idx="2">
-                <a:schemeClr val="accent1">
-                  <a:shade val="50000"/>
-                </a:schemeClr>
-              </a:lnRef>
-              <a:fillRef idx="1">
-                <a:schemeClr val="accent1"/>
-              </a:fillRef>
-              <a:effectRef idx="0">
-                <a:schemeClr val="accent1"/>
-              </a:effectRef>
-              <a:fontRef idx="minor">
-                <a:schemeClr val="lt1"/>
-              </a:fontRef>
-            </p:style>
-            <p:txBody>
-              <a:bodyPr rtlCol="0" anchor="ctr"/>
-              <a:lstStyle/>
-              <a:p>
-                <a:pPr algn="ctr"/>
-                <a:endParaRPr lang="en-US"/>
-              </a:p>
-            </p:txBody>
-          </p:sp>
-          <p:sp>
-            <p:nvSpPr>
-              <p:cNvPr id="28" name="Oval 27">
-                <a:extLst>
-                  <a:ext uri="{FF2B5EF4-FFF2-40B4-BE49-F238E27FC236}">
-                    <a16:creationId xmlns:a16="http://schemas.microsoft.com/office/drawing/2014/main" id="{9298E3BD-7020-4010-8114-CDB44E36CA7A}"/>
-                  </a:ext>
-                </a:extLst>
-              </p:cNvPr>
-              <p:cNvSpPr/>
-              <p:nvPr/>
-            </p:nvSpPr>
-            <p:spPr>
-              <a:xfrm>
-                <a:off x="3194873" y="6147746"/>
-                <a:ext cx="76236" cy="373730"/>
-              </a:xfrm>
-              <a:prstGeom prst="ellipse">
-                <a:avLst/>
-              </a:prstGeom>
-              <a:noFill/>
-              <a:ln w="15875">
-                <a:gradFill flip="none" rotWithShape="1">
-                  <a:gsLst>
-                    <a:gs pos="0">
-                      <a:schemeClr val="accent1">
-                        <a:lumMod val="5000"/>
-                        <a:lumOff val="95000"/>
-                      </a:schemeClr>
-                    </a:gs>
-                    <a:gs pos="100000">
-                      <a:srgbClr val="2F528F"/>
-                    </a:gs>
-                  </a:gsLst>
-                  <a:lin ang="0" scaled="1"/>
-                  <a:tileRect/>
-                </a:gradFill>
-              </a:ln>
-            </p:spPr>
-            <p:style>
-              <a:lnRef idx="2">
-                <a:schemeClr val="accent1">
-                  <a:shade val="50000"/>
-                </a:schemeClr>
-              </a:lnRef>
-              <a:fillRef idx="1">
-                <a:schemeClr val="accent1"/>
-              </a:fillRef>
-              <a:effectRef idx="0">
-                <a:schemeClr val="accent1"/>
-              </a:effectRef>
-              <a:fontRef idx="minor">
-                <a:schemeClr val="lt1"/>
-              </a:fontRef>
-            </p:style>
-            <p:txBody>
-              <a:bodyPr rtlCol="0" anchor="ctr"/>
-              <a:lstStyle/>
-              <a:p>
-                <a:pPr algn="ctr"/>
-                <a:endParaRPr lang="en-US"/>
-              </a:p>
-            </p:txBody>
-          </p:sp>
-          <p:sp>
-            <p:nvSpPr>
-              <p:cNvPr id="29" name="Oval 28">
-                <a:extLst>
-                  <a:ext uri="{FF2B5EF4-FFF2-40B4-BE49-F238E27FC236}">
-                    <a16:creationId xmlns:a16="http://schemas.microsoft.com/office/drawing/2014/main" id="{F20AEE5E-96BB-488B-A845-55EF3DAC6D14}"/>
-                  </a:ext>
-                </a:extLst>
-              </p:cNvPr>
-              <p:cNvSpPr/>
-              <p:nvPr/>
-            </p:nvSpPr>
-            <p:spPr>
-              <a:xfrm>
-                <a:off x="3470598" y="6147746"/>
-                <a:ext cx="76236" cy="373730"/>
-              </a:xfrm>
-              <a:prstGeom prst="ellipse">
-                <a:avLst/>
-              </a:prstGeom>
-              <a:noFill/>
-              <a:ln w="15875">
-                <a:gradFill flip="none" rotWithShape="1">
-                  <a:gsLst>
-                    <a:gs pos="0">
-                      <a:schemeClr val="accent1">
-                        <a:lumMod val="5000"/>
-                        <a:lumOff val="95000"/>
-                      </a:schemeClr>
-                    </a:gs>
-                    <a:gs pos="100000">
-                      <a:srgbClr val="2F528F"/>
-                    </a:gs>
-                  </a:gsLst>
-                  <a:lin ang="0" scaled="1"/>
-                  <a:tileRect/>
-                </a:gradFill>
-              </a:ln>
-            </p:spPr>
-            <p:style>
-              <a:lnRef idx="2">
-                <a:schemeClr val="accent1">
-                  <a:shade val="50000"/>
-                </a:schemeClr>
-              </a:lnRef>
-              <a:fillRef idx="1">
-                <a:schemeClr val="accent1"/>
-              </a:fillRef>
-              <a:effectRef idx="0">
-                <a:schemeClr val="accent1"/>
-              </a:effectRef>
-              <a:fontRef idx="minor">
-                <a:schemeClr val="lt1"/>
-              </a:fontRef>
-            </p:style>
-            <p:txBody>
-              <a:bodyPr rtlCol="0" anchor="ctr"/>
-              <a:lstStyle/>
-              <a:p>
-                <a:pPr algn="ctr"/>
-                <a:endParaRPr lang="en-US"/>
-              </a:p>
-            </p:txBody>
-          </p:sp>
-          <p:sp>
-            <p:nvSpPr>
-              <p:cNvPr id="30" name="Oval 29">
-                <a:extLst>
-                  <a:ext uri="{FF2B5EF4-FFF2-40B4-BE49-F238E27FC236}">
-                    <a16:creationId xmlns:a16="http://schemas.microsoft.com/office/drawing/2014/main" id="{5926A4E4-7941-4936-9EFD-999624236251}"/>
-                  </a:ext>
-                </a:extLst>
-              </p:cNvPr>
-              <p:cNvSpPr/>
-              <p:nvPr/>
-            </p:nvSpPr>
-            <p:spPr>
-              <a:xfrm>
-                <a:off x="3746323" y="6153955"/>
-                <a:ext cx="76236" cy="373730"/>
-              </a:xfrm>
-              <a:prstGeom prst="ellipse">
-                <a:avLst/>
-              </a:prstGeom>
-              <a:noFill/>
-              <a:ln w="15875">
-                <a:gradFill flip="none" rotWithShape="1">
-                  <a:gsLst>
-                    <a:gs pos="0">
-                      <a:schemeClr val="accent1">
-                        <a:lumMod val="5000"/>
-                        <a:lumOff val="95000"/>
-                      </a:schemeClr>
-                    </a:gs>
-                    <a:gs pos="100000">
-                      <a:srgbClr val="2F528F"/>
-                    </a:gs>
-                  </a:gsLst>
-                  <a:lin ang="0" scaled="1"/>
-                  <a:tileRect/>
-                </a:gradFill>
-              </a:ln>
-            </p:spPr>
-            <p:style>
-              <a:lnRef idx="2">
-                <a:schemeClr val="accent1">
-                  <a:shade val="50000"/>
-                </a:schemeClr>
-              </a:lnRef>
-              <a:fillRef idx="1">
-                <a:schemeClr val="accent1"/>
-              </a:fillRef>
-              <a:effectRef idx="0">
-                <a:schemeClr val="accent1"/>
-              </a:effectRef>
-              <a:fontRef idx="minor">
-                <a:schemeClr val="lt1"/>
-              </a:fontRef>
-            </p:style>
-            <p:txBody>
-              <a:bodyPr rtlCol="0" anchor="ctr"/>
-              <a:lstStyle/>
-              <a:p>
-                <a:pPr algn="ctr"/>
-                <a:endParaRPr lang="en-US"/>
-              </a:p>
-            </p:txBody>
-          </p:sp>
-          <p:sp>
-            <p:nvSpPr>
-              <p:cNvPr id="31" name="Oval 30">
-                <a:extLst>
-                  <a:ext uri="{FF2B5EF4-FFF2-40B4-BE49-F238E27FC236}">
-                    <a16:creationId xmlns:a16="http://schemas.microsoft.com/office/drawing/2014/main" id="{447FC889-ED02-4675-A005-3668B8460D80}"/>
-                  </a:ext>
-                </a:extLst>
-              </p:cNvPr>
-              <p:cNvSpPr/>
-              <p:nvPr/>
-            </p:nvSpPr>
-            <p:spPr>
-              <a:xfrm>
-                <a:off x="4022048" y="6157130"/>
-                <a:ext cx="76236" cy="373730"/>
-              </a:xfrm>
-              <a:prstGeom prst="ellipse">
-                <a:avLst/>
-              </a:prstGeom>
-              <a:noFill/>
-              <a:ln w="15875">
-                <a:gradFill flip="none" rotWithShape="1">
-                  <a:gsLst>
-                    <a:gs pos="0">
-                      <a:schemeClr val="accent1">
-                        <a:lumMod val="5000"/>
-                        <a:lumOff val="95000"/>
-                      </a:schemeClr>
-                    </a:gs>
-                    <a:gs pos="100000">
-                      <a:srgbClr val="2F528F"/>
-                    </a:gs>
-                  </a:gsLst>
-                  <a:lin ang="0" scaled="1"/>
-                  <a:tileRect/>
-                </a:gradFill>
-              </a:ln>
-            </p:spPr>
-            <p:style>
-              <a:lnRef idx="2">
-                <a:schemeClr val="accent1">
-                  <a:shade val="50000"/>
-                </a:schemeClr>
-              </a:lnRef>
-              <a:fillRef idx="1">
-                <a:schemeClr val="accent1"/>
-              </a:fillRef>
-              <a:effectRef idx="0">
-                <a:schemeClr val="accent1"/>
-              </a:effectRef>
-              <a:fontRef idx="minor">
-                <a:schemeClr val="lt1"/>
-              </a:fontRef>
-            </p:style>
-            <p:txBody>
-              <a:bodyPr rtlCol="0" anchor="ctr"/>
-              <a:lstStyle/>
-              <a:p>
-                <a:pPr algn="ctr"/>
-                <a:endParaRPr lang="en-US"/>
-              </a:p>
-            </p:txBody>
-          </p:sp>
-          <p:sp>
-            <p:nvSpPr>
-              <p:cNvPr id="32" name="Oval 31">
-                <a:extLst>
-                  <a:ext uri="{FF2B5EF4-FFF2-40B4-BE49-F238E27FC236}">
-                    <a16:creationId xmlns:a16="http://schemas.microsoft.com/office/drawing/2014/main" id="{E0F0F6F5-B9C7-4597-BDB4-C3CFD707F7D3}"/>
-                  </a:ext>
-                </a:extLst>
-              </p:cNvPr>
-              <p:cNvSpPr/>
-              <p:nvPr/>
-            </p:nvSpPr>
-            <p:spPr>
-              <a:xfrm>
-                <a:off x="4297773" y="6157130"/>
-                <a:ext cx="76236" cy="373730"/>
-              </a:xfrm>
-              <a:prstGeom prst="ellipse">
-                <a:avLst/>
-              </a:prstGeom>
-              <a:noFill/>
-              <a:ln w="15875">
-                <a:gradFill flip="none" rotWithShape="1">
-                  <a:gsLst>
-                    <a:gs pos="0">
-                      <a:schemeClr val="accent1">
-                        <a:lumMod val="5000"/>
-                        <a:lumOff val="95000"/>
-                      </a:schemeClr>
-                    </a:gs>
-                    <a:gs pos="100000">
-                      <a:srgbClr val="2F528F"/>
-                    </a:gs>
-                  </a:gsLst>
-                  <a:lin ang="0" scaled="1"/>
-                  <a:tileRect/>
-                </a:gradFill>
-              </a:ln>
-            </p:spPr>
-            <p:style>
-              <a:lnRef idx="2">
-                <a:schemeClr val="accent1">
-                  <a:shade val="50000"/>
-                </a:schemeClr>
-              </a:lnRef>
-              <a:fillRef idx="1">
-                <a:schemeClr val="accent1"/>
-              </a:fillRef>
-              <a:effectRef idx="0">
-                <a:schemeClr val="accent1"/>
-              </a:effectRef>
-              <a:fontRef idx="minor">
-                <a:schemeClr val="lt1"/>
-              </a:fontRef>
-            </p:style>
-            <p:txBody>
-              <a:bodyPr rtlCol="0" anchor="ctr"/>
-              <a:lstStyle/>
-              <a:p>
-                <a:pPr algn="ctr"/>
-                <a:endParaRPr lang="en-US"/>
-              </a:p>
-            </p:txBody>
-          </p:sp>
-          <p:sp>
-            <p:nvSpPr>
-              <p:cNvPr id="33" name="Oval 32">
-                <a:extLst>
-                  <a:ext uri="{FF2B5EF4-FFF2-40B4-BE49-F238E27FC236}">
-                    <a16:creationId xmlns:a16="http://schemas.microsoft.com/office/drawing/2014/main" id="{FBA4B5B9-5273-43C2-A414-163974BEF6A7}"/>
-                  </a:ext>
-                </a:extLst>
-              </p:cNvPr>
-              <p:cNvSpPr/>
-              <p:nvPr/>
-            </p:nvSpPr>
-            <p:spPr>
-              <a:xfrm>
-                <a:off x="4573498" y="6153955"/>
-                <a:ext cx="76236" cy="373730"/>
-              </a:xfrm>
-              <a:prstGeom prst="ellipse">
-                <a:avLst/>
-              </a:prstGeom>
-              <a:noFill/>
-              <a:ln w="15875">
-                <a:gradFill flip="none" rotWithShape="1">
-                  <a:gsLst>
-                    <a:gs pos="0">
-                      <a:schemeClr val="accent1">
-                        <a:lumMod val="5000"/>
-                        <a:lumOff val="95000"/>
-                      </a:schemeClr>
-                    </a:gs>
-                    <a:gs pos="100000">
-                      <a:srgbClr val="2F528F"/>
-                    </a:gs>
-                  </a:gsLst>
-                  <a:lin ang="0" scaled="1"/>
-                  <a:tileRect/>
-                </a:gradFill>
-              </a:ln>
-            </p:spPr>
-            <p:style>
-              <a:lnRef idx="2">
-                <a:schemeClr val="accent1">
-                  <a:shade val="50000"/>
-                </a:schemeClr>
-              </a:lnRef>
-              <a:fillRef idx="1">
-                <a:schemeClr val="accent1"/>
-              </a:fillRef>
-              <a:effectRef idx="0">
-                <a:schemeClr val="accent1"/>
-              </a:effectRef>
-              <a:fontRef idx="minor">
-                <a:schemeClr val="lt1"/>
-              </a:fontRef>
-            </p:style>
-            <p:txBody>
-              <a:bodyPr rtlCol="0" anchor="ctr"/>
-              <a:lstStyle/>
-              <a:p>
-                <a:pPr algn="ctr"/>
-                <a:endParaRPr lang="en-US"/>
-              </a:p>
-            </p:txBody>
-          </p:sp>
-          <p:sp>
-            <p:nvSpPr>
-              <p:cNvPr id="34" name="Oval 33">
-                <a:extLst>
-                  <a:ext uri="{FF2B5EF4-FFF2-40B4-BE49-F238E27FC236}">
-                    <a16:creationId xmlns:a16="http://schemas.microsoft.com/office/drawing/2014/main" id="{96DE0896-BCB5-4437-A4DE-38EA7B28254B}"/>
-                  </a:ext>
-                </a:extLst>
-              </p:cNvPr>
-              <p:cNvSpPr/>
-              <p:nvPr/>
-            </p:nvSpPr>
-            <p:spPr>
-              <a:xfrm>
-                <a:off x="4849223" y="6157130"/>
-                <a:ext cx="76236" cy="373730"/>
-              </a:xfrm>
-              <a:prstGeom prst="ellipse">
-                <a:avLst/>
-              </a:prstGeom>
-              <a:noFill/>
-              <a:ln w="15875">
-                <a:gradFill flip="none" rotWithShape="1">
-                  <a:gsLst>
-                    <a:gs pos="0">
-                      <a:schemeClr val="accent1">
-                        <a:lumMod val="5000"/>
-                        <a:lumOff val="95000"/>
-                      </a:schemeClr>
-                    </a:gs>
-                    <a:gs pos="100000">
-                      <a:srgbClr val="2F528F"/>
-                    </a:gs>
-                  </a:gsLst>
-                  <a:lin ang="0" scaled="1"/>
-                  <a:tileRect/>
-                </a:gradFill>
-              </a:ln>
-            </p:spPr>
-            <p:style>
-              <a:lnRef idx="2">
-                <a:schemeClr val="accent1">
-                  <a:shade val="50000"/>
-                </a:schemeClr>
-              </a:lnRef>
-              <a:fillRef idx="1">
-                <a:schemeClr val="accent1"/>
-              </a:fillRef>
-              <a:effectRef idx="0">
-                <a:schemeClr val="accent1"/>
-              </a:effectRef>
-              <a:fontRef idx="minor">
-                <a:schemeClr val="lt1"/>
-              </a:fontRef>
-            </p:style>
-            <p:txBody>
-              <a:bodyPr rtlCol="0" anchor="ctr"/>
-              <a:lstStyle/>
-              <a:p>
-                <a:pPr algn="ctr"/>
-                <a:endParaRPr lang="en-US"/>
-              </a:p>
-            </p:txBody>
-          </p:sp>
-          <p:sp>
-            <p:nvSpPr>
-              <p:cNvPr id="35" name="Oval 34">
-                <a:extLst>
-                  <a:ext uri="{FF2B5EF4-FFF2-40B4-BE49-F238E27FC236}">
-                    <a16:creationId xmlns:a16="http://schemas.microsoft.com/office/drawing/2014/main" id="{01913907-F5E2-4443-B4A9-789E3A54E27B}"/>
-                  </a:ext>
-                </a:extLst>
-              </p:cNvPr>
-              <p:cNvSpPr/>
-              <p:nvPr/>
-            </p:nvSpPr>
-            <p:spPr>
-              <a:xfrm>
-                <a:off x="5124948" y="6157130"/>
-                <a:ext cx="76236" cy="373730"/>
-              </a:xfrm>
-              <a:prstGeom prst="ellipse">
-                <a:avLst/>
-              </a:prstGeom>
-              <a:noFill/>
-              <a:ln w="15875">
-                <a:gradFill flip="none" rotWithShape="1">
-                  <a:gsLst>
-                    <a:gs pos="0">
-                      <a:schemeClr val="accent1">
-                        <a:lumMod val="5000"/>
-                        <a:lumOff val="95000"/>
-                      </a:schemeClr>
-                    </a:gs>
-                    <a:gs pos="100000">
-                      <a:srgbClr val="2F528F"/>
-                    </a:gs>
-                  </a:gsLst>
-                  <a:lin ang="0" scaled="1"/>
-                  <a:tileRect/>
-                </a:gradFill>
-              </a:ln>
-            </p:spPr>
-            <p:style>
-              <a:lnRef idx="2">
-                <a:schemeClr val="accent1">
-                  <a:shade val="50000"/>
-                </a:schemeClr>
-              </a:lnRef>
-              <a:fillRef idx="1">
-                <a:schemeClr val="accent1"/>
-              </a:fillRef>
-              <a:effectRef idx="0">
-                <a:schemeClr val="accent1"/>
-              </a:effectRef>
-              <a:fontRef idx="minor">
-                <a:schemeClr val="lt1"/>
-              </a:fontRef>
-            </p:style>
-            <p:txBody>
-              <a:bodyPr rtlCol="0" anchor="ctr"/>
-              <a:lstStyle/>
-              <a:p>
-                <a:pPr algn="ctr"/>
-                <a:endParaRPr lang="en-US"/>
-              </a:p>
-            </p:txBody>
-          </p:sp>
-          <p:sp>
-            <p:nvSpPr>
-              <p:cNvPr id="48" name="Oval 47">
-                <a:extLst>
-                  <a:ext uri="{FF2B5EF4-FFF2-40B4-BE49-F238E27FC236}">
-                    <a16:creationId xmlns:a16="http://schemas.microsoft.com/office/drawing/2014/main" id="{78EC999B-E134-4729-AABA-9E08C6FFEA97}"/>
-                  </a:ext>
-                </a:extLst>
-              </p:cNvPr>
-              <p:cNvSpPr/>
-              <p:nvPr/>
-            </p:nvSpPr>
-            <p:spPr>
-              <a:xfrm>
-                <a:off x="5400673" y="6153954"/>
-                <a:ext cx="76236" cy="373730"/>
-              </a:xfrm>
-              <a:prstGeom prst="ellipse">
-                <a:avLst/>
-              </a:prstGeom>
-              <a:noFill/>
-              <a:ln w="15875">
-                <a:gradFill flip="none" rotWithShape="1">
-                  <a:gsLst>
-                    <a:gs pos="0">
-                      <a:schemeClr val="accent1">
-                        <a:lumMod val="5000"/>
-                        <a:lumOff val="95000"/>
-                      </a:schemeClr>
-                    </a:gs>
-                    <a:gs pos="100000">
-                      <a:srgbClr val="2F528F"/>
-                    </a:gs>
-                  </a:gsLst>
-                  <a:lin ang="0" scaled="1"/>
-                  <a:tileRect/>
-                </a:gradFill>
-              </a:ln>
-            </p:spPr>
-            <p:style>
-              <a:lnRef idx="2">
-                <a:schemeClr val="accent1">
-                  <a:shade val="50000"/>
-                </a:schemeClr>
-              </a:lnRef>
-              <a:fillRef idx="1">
-                <a:schemeClr val="accent1"/>
-              </a:fillRef>
-              <a:effectRef idx="0">
-                <a:schemeClr val="accent1"/>
-              </a:effectRef>
-              <a:fontRef idx="minor">
-                <a:schemeClr val="lt1"/>
-              </a:fontRef>
-            </p:style>
-            <p:txBody>
-              <a:bodyPr rtlCol="0" anchor="ctr"/>
-              <a:lstStyle/>
-              <a:p>
-                <a:pPr algn="ctr"/>
-                <a:endParaRPr lang="en-US"/>
-              </a:p>
-            </p:txBody>
-          </p:sp>
-          <p:sp>
-            <p:nvSpPr>
-              <p:cNvPr id="49" name="Oval 48">
-                <a:extLst>
-                  <a:ext uri="{FF2B5EF4-FFF2-40B4-BE49-F238E27FC236}">
-                    <a16:creationId xmlns:a16="http://schemas.microsoft.com/office/drawing/2014/main" id="{10F41678-F2A6-41FC-8B8C-0CA348103AD3}"/>
-                  </a:ext>
-                </a:extLst>
-              </p:cNvPr>
-              <p:cNvSpPr/>
-              <p:nvPr/>
-            </p:nvSpPr>
-            <p:spPr>
-              <a:xfrm>
-                <a:off x="5676398" y="6157129"/>
-                <a:ext cx="76236" cy="373730"/>
-              </a:xfrm>
-              <a:prstGeom prst="ellipse">
-                <a:avLst/>
-              </a:prstGeom>
-              <a:noFill/>
-              <a:ln w="15875">
-                <a:gradFill flip="none" rotWithShape="1">
-                  <a:gsLst>
-                    <a:gs pos="0">
-                      <a:schemeClr val="accent1">
-                        <a:lumMod val="5000"/>
-                        <a:lumOff val="95000"/>
-                      </a:schemeClr>
-                    </a:gs>
-                    <a:gs pos="100000">
-                      <a:srgbClr val="2F528F"/>
-                    </a:gs>
-                  </a:gsLst>
-                  <a:lin ang="0" scaled="1"/>
-                  <a:tileRect/>
-                </a:gradFill>
-              </a:ln>
-            </p:spPr>
-            <p:style>
-              <a:lnRef idx="2">
-                <a:schemeClr val="accent1">
-                  <a:shade val="50000"/>
-                </a:schemeClr>
-              </a:lnRef>
-              <a:fillRef idx="1">
-                <a:schemeClr val="accent1"/>
-              </a:fillRef>
-              <a:effectRef idx="0">
-                <a:schemeClr val="accent1"/>
-              </a:effectRef>
-              <a:fontRef idx="minor">
-                <a:schemeClr val="lt1"/>
-              </a:fontRef>
-            </p:style>
-            <p:txBody>
-              <a:bodyPr rtlCol="0" anchor="ctr"/>
-              <a:lstStyle/>
-              <a:p>
-                <a:pPr algn="ctr"/>
-                <a:endParaRPr lang="en-US"/>
-              </a:p>
-            </p:txBody>
-          </p:sp>
-          <p:sp>
-            <p:nvSpPr>
-              <p:cNvPr id="50" name="Oval 49">
-                <a:extLst>
-                  <a:ext uri="{FF2B5EF4-FFF2-40B4-BE49-F238E27FC236}">
-                    <a16:creationId xmlns:a16="http://schemas.microsoft.com/office/drawing/2014/main" id="{2E355923-165C-43C3-AC74-7DD75B0AC91B}"/>
-                  </a:ext>
-                </a:extLst>
-              </p:cNvPr>
-              <p:cNvSpPr/>
-              <p:nvPr/>
-            </p:nvSpPr>
-            <p:spPr>
-              <a:xfrm>
-                <a:off x="5952123" y="6157129"/>
-                <a:ext cx="76236" cy="373730"/>
-              </a:xfrm>
-              <a:prstGeom prst="ellipse">
-                <a:avLst/>
-              </a:prstGeom>
-              <a:noFill/>
-              <a:ln w="15875">
-                <a:gradFill flip="none" rotWithShape="1">
-                  <a:gsLst>
-                    <a:gs pos="0">
-                      <a:schemeClr val="accent1">
-                        <a:lumMod val="5000"/>
-                        <a:lumOff val="95000"/>
-                      </a:schemeClr>
-                    </a:gs>
-                    <a:gs pos="100000">
-                      <a:srgbClr val="2F528F"/>
-                    </a:gs>
-                  </a:gsLst>
-                  <a:lin ang="0" scaled="1"/>
-                  <a:tileRect/>
-                </a:gradFill>
-              </a:ln>
-            </p:spPr>
-            <p:style>
-              <a:lnRef idx="2">
-                <a:schemeClr val="accent1">
-                  <a:shade val="50000"/>
-                </a:schemeClr>
-              </a:lnRef>
-              <a:fillRef idx="1">
-                <a:schemeClr val="accent1"/>
-              </a:fillRef>
-              <a:effectRef idx="0">
-                <a:schemeClr val="accent1"/>
-              </a:effectRef>
-              <a:fontRef idx="minor">
-                <a:schemeClr val="lt1"/>
-              </a:fontRef>
-            </p:style>
-            <p:txBody>
-              <a:bodyPr rtlCol="0" anchor="ctr"/>
-              <a:lstStyle/>
-              <a:p>
-                <a:pPr algn="ctr"/>
-                <a:endParaRPr lang="en-US"/>
-              </a:p>
-            </p:txBody>
-          </p:sp>
-          <p:sp>
-            <p:nvSpPr>
-              <p:cNvPr id="51" name="Oval 50">
-                <a:extLst>
-                  <a:ext uri="{FF2B5EF4-FFF2-40B4-BE49-F238E27FC236}">
-                    <a16:creationId xmlns:a16="http://schemas.microsoft.com/office/drawing/2014/main" id="{FBCD5E83-2260-4C0F-8169-D00DF8E107D3}"/>
-                  </a:ext>
-                </a:extLst>
-              </p:cNvPr>
-              <p:cNvSpPr/>
-              <p:nvPr/>
-            </p:nvSpPr>
-            <p:spPr>
-              <a:xfrm>
-                <a:off x="6227848" y="6153954"/>
-                <a:ext cx="76236" cy="373730"/>
-              </a:xfrm>
-              <a:prstGeom prst="ellipse">
-                <a:avLst/>
-              </a:prstGeom>
-              <a:noFill/>
-              <a:ln w="15875">
-                <a:gradFill flip="none" rotWithShape="1">
-                  <a:gsLst>
-                    <a:gs pos="0">
-                      <a:schemeClr val="accent1">
-                        <a:lumMod val="5000"/>
-                        <a:lumOff val="95000"/>
-                      </a:schemeClr>
-                    </a:gs>
-                    <a:gs pos="100000">
-                      <a:srgbClr val="2F528F"/>
-                    </a:gs>
-                  </a:gsLst>
-                  <a:lin ang="0" scaled="1"/>
-                  <a:tileRect/>
-                </a:gradFill>
-              </a:ln>
-            </p:spPr>
-            <p:style>
-              <a:lnRef idx="2">
-                <a:schemeClr val="accent1">
-                  <a:shade val="50000"/>
-                </a:schemeClr>
-              </a:lnRef>
-              <a:fillRef idx="1">
-                <a:schemeClr val="accent1"/>
-              </a:fillRef>
-              <a:effectRef idx="0">
-                <a:schemeClr val="accent1"/>
-              </a:effectRef>
-              <a:fontRef idx="minor">
-                <a:schemeClr val="lt1"/>
-              </a:fontRef>
-            </p:style>
-            <p:txBody>
-              <a:bodyPr rtlCol="0" anchor="ctr"/>
-              <a:lstStyle/>
-              <a:p>
-                <a:pPr algn="ctr"/>
-                <a:endParaRPr lang="en-US"/>
-              </a:p>
-            </p:txBody>
-          </p:sp>
-          <p:sp>
-            <p:nvSpPr>
-              <p:cNvPr id="52" name="Oval 51">
-                <a:extLst>
-                  <a:ext uri="{FF2B5EF4-FFF2-40B4-BE49-F238E27FC236}">
-                    <a16:creationId xmlns:a16="http://schemas.microsoft.com/office/drawing/2014/main" id="{8C085B13-86EF-4F12-B08B-DA2A1124DA7C}"/>
-                  </a:ext>
-                </a:extLst>
-              </p:cNvPr>
-              <p:cNvSpPr/>
-              <p:nvPr/>
-            </p:nvSpPr>
-            <p:spPr>
-              <a:xfrm>
-                <a:off x="6503573" y="6157129"/>
-                <a:ext cx="76236" cy="373730"/>
-              </a:xfrm>
-              <a:prstGeom prst="ellipse">
-                <a:avLst/>
-              </a:prstGeom>
-              <a:noFill/>
-              <a:ln w="15875">
-                <a:gradFill flip="none" rotWithShape="1">
-                  <a:gsLst>
-                    <a:gs pos="0">
-                      <a:schemeClr val="accent1">
-                        <a:lumMod val="5000"/>
-                        <a:lumOff val="95000"/>
-                      </a:schemeClr>
-                    </a:gs>
-                    <a:gs pos="100000">
-                      <a:srgbClr val="2F528F"/>
-                    </a:gs>
-                  </a:gsLst>
-                  <a:lin ang="0" scaled="1"/>
-                  <a:tileRect/>
-                </a:gradFill>
-              </a:ln>
-            </p:spPr>
-            <p:style>
-              <a:lnRef idx="2">
-                <a:schemeClr val="accent1">
-                  <a:shade val="50000"/>
-                </a:schemeClr>
-              </a:lnRef>
-              <a:fillRef idx="1">
-                <a:schemeClr val="accent1"/>
-              </a:fillRef>
-              <a:effectRef idx="0">
-                <a:schemeClr val="accent1"/>
-              </a:effectRef>
-              <a:fontRef idx="minor">
-                <a:schemeClr val="lt1"/>
-              </a:fontRef>
-            </p:style>
-            <p:txBody>
-              <a:bodyPr rtlCol="0" anchor="ctr"/>
-              <a:lstStyle/>
-              <a:p>
-                <a:pPr algn="ctr"/>
-                <a:endParaRPr lang="en-US"/>
-              </a:p>
-            </p:txBody>
-          </p:sp>
-          <p:sp>
-            <p:nvSpPr>
-              <p:cNvPr id="53" name="Oval 52">
-                <a:extLst>
-                  <a:ext uri="{FF2B5EF4-FFF2-40B4-BE49-F238E27FC236}">
-                    <a16:creationId xmlns:a16="http://schemas.microsoft.com/office/drawing/2014/main" id="{02F11631-6CF2-42B5-8471-F063484A52DC}"/>
-                  </a:ext>
-                </a:extLst>
-              </p:cNvPr>
-              <p:cNvSpPr/>
-              <p:nvPr/>
-            </p:nvSpPr>
-            <p:spPr>
-              <a:xfrm>
-                <a:off x="6779298" y="6157129"/>
-                <a:ext cx="76236" cy="373730"/>
-              </a:xfrm>
-              <a:prstGeom prst="ellipse">
-                <a:avLst/>
-              </a:prstGeom>
-              <a:noFill/>
-              <a:ln w="15875">
-                <a:gradFill flip="none" rotWithShape="1">
-                  <a:gsLst>
-                    <a:gs pos="0">
-                      <a:schemeClr val="accent1">
-                        <a:lumMod val="5000"/>
-                        <a:lumOff val="95000"/>
-                      </a:schemeClr>
-                    </a:gs>
-                    <a:gs pos="100000">
-                      <a:srgbClr val="2F528F"/>
-                    </a:gs>
-                  </a:gsLst>
-                  <a:lin ang="0" scaled="1"/>
-                  <a:tileRect/>
-                </a:gradFill>
-              </a:ln>
-            </p:spPr>
-            <p:style>
-              <a:lnRef idx="2">
-                <a:schemeClr val="accent1">
-                  <a:shade val="50000"/>
-                </a:schemeClr>
-              </a:lnRef>
-              <a:fillRef idx="1">
-                <a:schemeClr val="accent1"/>
-              </a:fillRef>
-              <a:effectRef idx="0">
-                <a:schemeClr val="accent1"/>
-              </a:effectRef>
-              <a:fontRef idx="minor">
-                <a:schemeClr val="lt1"/>
-              </a:fontRef>
-            </p:style>
-            <p:txBody>
-              <a:bodyPr rtlCol="0" anchor="ctr"/>
-              <a:lstStyle/>
-              <a:p>
-                <a:pPr algn="ctr"/>
-                <a:endParaRPr lang="en-US"/>
-              </a:p>
-            </p:txBody>
-          </p:sp>
-          <p:sp>
-            <p:nvSpPr>
-              <p:cNvPr id="54" name="Oval 53">
-                <a:extLst>
-                  <a:ext uri="{FF2B5EF4-FFF2-40B4-BE49-F238E27FC236}">
-                    <a16:creationId xmlns:a16="http://schemas.microsoft.com/office/drawing/2014/main" id="{8855E908-D8FC-4C65-8287-BDAE5D682BFC}"/>
-                  </a:ext>
-                </a:extLst>
-              </p:cNvPr>
-              <p:cNvSpPr/>
-              <p:nvPr/>
-            </p:nvSpPr>
-            <p:spPr>
-              <a:xfrm>
-                <a:off x="7055023" y="6163338"/>
-                <a:ext cx="76236" cy="373730"/>
-              </a:xfrm>
-              <a:prstGeom prst="ellipse">
-                <a:avLst/>
-              </a:prstGeom>
-              <a:noFill/>
-              <a:ln w="15875">
-                <a:gradFill flip="none" rotWithShape="1">
-                  <a:gsLst>
-                    <a:gs pos="0">
-                      <a:schemeClr val="accent1">
-                        <a:lumMod val="5000"/>
-                        <a:lumOff val="95000"/>
-                      </a:schemeClr>
-                    </a:gs>
-                    <a:gs pos="100000">
-                      <a:srgbClr val="2F528F"/>
-                    </a:gs>
-                  </a:gsLst>
-                  <a:lin ang="0" scaled="1"/>
-                  <a:tileRect/>
-                </a:gradFill>
-              </a:ln>
-            </p:spPr>
-            <p:style>
-              <a:lnRef idx="2">
-                <a:schemeClr val="accent1">
-                  <a:shade val="50000"/>
-                </a:schemeClr>
-              </a:lnRef>
-              <a:fillRef idx="1">
-                <a:schemeClr val="accent1"/>
-              </a:fillRef>
-              <a:effectRef idx="0">
-                <a:schemeClr val="accent1"/>
-              </a:effectRef>
-              <a:fontRef idx="minor">
-                <a:schemeClr val="lt1"/>
-              </a:fontRef>
-            </p:style>
-            <p:txBody>
-              <a:bodyPr rtlCol="0" anchor="ctr"/>
-              <a:lstStyle/>
-              <a:p>
-                <a:pPr algn="ctr"/>
-                <a:endParaRPr lang="en-US"/>
-              </a:p>
-            </p:txBody>
-          </p:sp>
-          <p:sp>
-            <p:nvSpPr>
-              <p:cNvPr id="55" name="Oval 54">
-                <a:extLst>
-                  <a:ext uri="{FF2B5EF4-FFF2-40B4-BE49-F238E27FC236}">
-                    <a16:creationId xmlns:a16="http://schemas.microsoft.com/office/drawing/2014/main" id="{80C03ACD-062D-4004-98BF-CD0CE39CFF06}"/>
-                  </a:ext>
-                </a:extLst>
-              </p:cNvPr>
-              <p:cNvSpPr/>
-              <p:nvPr/>
-            </p:nvSpPr>
-            <p:spPr>
-              <a:xfrm>
-                <a:off x="7330748" y="6166513"/>
-                <a:ext cx="76236" cy="373730"/>
-              </a:xfrm>
-              <a:prstGeom prst="ellipse">
-                <a:avLst/>
-              </a:prstGeom>
-              <a:noFill/>
-              <a:ln w="15875">
-                <a:gradFill flip="none" rotWithShape="1">
-                  <a:gsLst>
-                    <a:gs pos="0">
-                      <a:schemeClr val="accent1">
-                        <a:lumMod val="5000"/>
-                        <a:lumOff val="95000"/>
-                      </a:schemeClr>
-                    </a:gs>
-                    <a:gs pos="100000">
-                      <a:srgbClr val="2F528F"/>
-                    </a:gs>
-                  </a:gsLst>
-                  <a:lin ang="0" scaled="1"/>
-                  <a:tileRect/>
-                </a:gradFill>
-              </a:ln>
-            </p:spPr>
-            <p:style>
-              <a:lnRef idx="2">
-                <a:schemeClr val="accent1">
-                  <a:shade val="50000"/>
-                </a:schemeClr>
-              </a:lnRef>
-              <a:fillRef idx="1">
-                <a:schemeClr val="accent1"/>
-              </a:fillRef>
-              <a:effectRef idx="0">
-                <a:schemeClr val="accent1"/>
-              </a:effectRef>
-              <a:fontRef idx="minor">
-                <a:schemeClr val="lt1"/>
-              </a:fontRef>
-            </p:style>
-            <p:txBody>
-              <a:bodyPr rtlCol="0" anchor="ctr"/>
-              <a:lstStyle/>
-              <a:p>
-                <a:pPr algn="ctr"/>
-                <a:endParaRPr lang="en-US"/>
-              </a:p>
-            </p:txBody>
-          </p:sp>
-          <p:sp>
-            <p:nvSpPr>
-              <p:cNvPr id="56" name="Oval 55">
-                <a:extLst>
-                  <a:ext uri="{FF2B5EF4-FFF2-40B4-BE49-F238E27FC236}">
-                    <a16:creationId xmlns:a16="http://schemas.microsoft.com/office/drawing/2014/main" id="{F8E4069F-921F-48ED-8704-860C91E1BB50}"/>
-                  </a:ext>
-                </a:extLst>
-              </p:cNvPr>
-              <p:cNvSpPr/>
-              <p:nvPr/>
-            </p:nvSpPr>
-            <p:spPr>
-              <a:xfrm>
-                <a:off x="7606473" y="6166513"/>
-                <a:ext cx="76236" cy="373730"/>
-              </a:xfrm>
-              <a:prstGeom prst="ellipse">
-                <a:avLst/>
-              </a:prstGeom>
-              <a:noFill/>
-              <a:ln w="15875">
-                <a:gradFill flip="none" rotWithShape="1">
-                  <a:gsLst>
-                    <a:gs pos="0">
-                      <a:schemeClr val="accent1">
-                        <a:lumMod val="5000"/>
-                        <a:lumOff val="95000"/>
-                      </a:schemeClr>
-                    </a:gs>
-                    <a:gs pos="100000">
-                      <a:srgbClr val="2F528F"/>
-                    </a:gs>
-                  </a:gsLst>
-                  <a:lin ang="0" scaled="1"/>
-                  <a:tileRect/>
-                </a:gradFill>
-              </a:ln>
-            </p:spPr>
-            <p:style>
-              <a:lnRef idx="2">
-                <a:schemeClr val="accent1">
-                  <a:shade val="50000"/>
-                </a:schemeClr>
-              </a:lnRef>
-              <a:fillRef idx="1">
-                <a:schemeClr val="accent1"/>
-              </a:fillRef>
-              <a:effectRef idx="0">
-                <a:schemeClr val="accent1"/>
-              </a:effectRef>
-              <a:fontRef idx="minor">
-                <a:schemeClr val="lt1"/>
-              </a:fontRef>
-            </p:style>
-            <p:txBody>
-              <a:bodyPr rtlCol="0" anchor="ctr"/>
-              <a:lstStyle/>
-              <a:p>
-                <a:pPr algn="ctr"/>
-                <a:endParaRPr lang="en-US"/>
-              </a:p>
-            </p:txBody>
-          </p:sp>
-          <p:sp>
-            <p:nvSpPr>
-              <p:cNvPr id="57" name="Oval 56">
-                <a:extLst>
-                  <a:ext uri="{FF2B5EF4-FFF2-40B4-BE49-F238E27FC236}">
-                    <a16:creationId xmlns:a16="http://schemas.microsoft.com/office/drawing/2014/main" id="{AF708C1D-DD50-4C1A-89BD-D8C05B7C94FE}"/>
-                  </a:ext>
-                </a:extLst>
-              </p:cNvPr>
-              <p:cNvSpPr/>
-              <p:nvPr/>
-            </p:nvSpPr>
-            <p:spPr>
-              <a:xfrm>
-                <a:off x="7882198" y="6163338"/>
-                <a:ext cx="76236" cy="373730"/>
-              </a:xfrm>
-              <a:prstGeom prst="ellipse">
-                <a:avLst/>
-              </a:prstGeom>
-              <a:noFill/>
-              <a:ln w="15875">
-                <a:gradFill flip="none" rotWithShape="1">
-                  <a:gsLst>
-                    <a:gs pos="0">
-                      <a:schemeClr val="accent1">
-                        <a:lumMod val="5000"/>
-                        <a:lumOff val="95000"/>
-                      </a:schemeClr>
-                    </a:gs>
-                    <a:gs pos="100000">
-                      <a:srgbClr val="2F528F"/>
-                    </a:gs>
-                  </a:gsLst>
-                  <a:lin ang="0" scaled="1"/>
-                  <a:tileRect/>
-                </a:gradFill>
-              </a:ln>
-            </p:spPr>
-            <p:style>
-              <a:lnRef idx="2">
-                <a:schemeClr val="accent1">
-                  <a:shade val="50000"/>
-                </a:schemeClr>
-              </a:lnRef>
-              <a:fillRef idx="1">
-                <a:schemeClr val="accent1"/>
-              </a:fillRef>
-              <a:effectRef idx="0">
-                <a:schemeClr val="accent1"/>
-              </a:effectRef>
-              <a:fontRef idx="minor">
-                <a:schemeClr val="lt1"/>
-              </a:fontRef>
-            </p:style>
-            <p:txBody>
-              <a:bodyPr rtlCol="0" anchor="ctr"/>
-              <a:lstStyle/>
-              <a:p>
-                <a:pPr algn="ctr"/>
-                <a:endParaRPr lang="en-US"/>
-              </a:p>
-            </p:txBody>
-          </p:sp>
-          <p:sp>
-            <p:nvSpPr>
-              <p:cNvPr id="58" name="Oval 57">
-                <a:extLst>
-                  <a:ext uri="{FF2B5EF4-FFF2-40B4-BE49-F238E27FC236}">
-                    <a16:creationId xmlns:a16="http://schemas.microsoft.com/office/drawing/2014/main" id="{01F3AFDB-0A89-40EE-916E-EB7B038DA208}"/>
-                  </a:ext>
-                </a:extLst>
-              </p:cNvPr>
-              <p:cNvSpPr/>
-              <p:nvPr/>
-            </p:nvSpPr>
-            <p:spPr>
-              <a:xfrm>
-                <a:off x="8157923" y="6166513"/>
-                <a:ext cx="76236" cy="373730"/>
-              </a:xfrm>
-              <a:prstGeom prst="ellipse">
-                <a:avLst/>
-              </a:prstGeom>
-              <a:noFill/>
-              <a:ln w="15875">
-                <a:gradFill flip="none" rotWithShape="1">
-                  <a:gsLst>
-                    <a:gs pos="0">
-                      <a:schemeClr val="accent1">
-                        <a:lumMod val="5000"/>
-                        <a:lumOff val="95000"/>
-                      </a:schemeClr>
-                    </a:gs>
-                    <a:gs pos="100000">
-                      <a:srgbClr val="2F528F"/>
-                    </a:gs>
-                  </a:gsLst>
-                  <a:lin ang="0" scaled="1"/>
-                  <a:tileRect/>
-                </a:gradFill>
-              </a:ln>
-            </p:spPr>
-            <p:style>
-              <a:lnRef idx="2">
-                <a:schemeClr val="accent1">
-                  <a:shade val="50000"/>
-                </a:schemeClr>
-              </a:lnRef>
-              <a:fillRef idx="1">
-                <a:schemeClr val="accent1"/>
-              </a:fillRef>
-              <a:effectRef idx="0">
-                <a:schemeClr val="accent1"/>
-              </a:effectRef>
-              <a:fontRef idx="minor">
-                <a:schemeClr val="lt1"/>
-              </a:fontRef>
-            </p:style>
-            <p:txBody>
-              <a:bodyPr rtlCol="0" anchor="ctr"/>
-              <a:lstStyle/>
-              <a:p>
-                <a:pPr algn="ctr"/>
-                <a:endParaRPr lang="en-US"/>
-              </a:p>
-            </p:txBody>
-          </p:sp>
-          <p:sp>
-            <p:nvSpPr>
-              <p:cNvPr id="59" name="Oval 58">
-                <a:extLst>
-                  <a:ext uri="{FF2B5EF4-FFF2-40B4-BE49-F238E27FC236}">
-                    <a16:creationId xmlns:a16="http://schemas.microsoft.com/office/drawing/2014/main" id="{0C25702F-AF47-4C3B-95CD-503C97B1EFEE}"/>
-                  </a:ext>
-                </a:extLst>
-              </p:cNvPr>
-              <p:cNvSpPr/>
-              <p:nvPr/>
-            </p:nvSpPr>
-            <p:spPr>
-              <a:xfrm>
-                <a:off x="8433648" y="6166513"/>
-                <a:ext cx="76236" cy="373730"/>
-              </a:xfrm>
-              <a:prstGeom prst="ellipse">
-                <a:avLst/>
-              </a:prstGeom>
-              <a:noFill/>
-              <a:ln w="15875">
-                <a:gradFill flip="none" rotWithShape="1">
-                  <a:gsLst>
-                    <a:gs pos="0">
-                      <a:schemeClr val="accent1">
-                        <a:lumMod val="5000"/>
-                        <a:lumOff val="95000"/>
-                      </a:schemeClr>
-                    </a:gs>
-                    <a:gs pos="100000">
-                      <a:srgbClr val="2F528F"/>
-                    </a:gs>
-                  </a:gsLst>
-                  <a:lin ang="0" scaled="1"/>
-                  <a:tileRect/>
-                </a:gradFill>
-              </a:ln>
-            </p:spPr>
-            <p:style>
-              <a:lnRef idx="2">
-                <a:schemeClr val="accent1">
-                  <a:shade val="50000"/>
-                </a:schemeClr>
-              </a:lnRef>
-              <a:fillRef idx="1">
-                <a:schemeClr val="accent1"/>
-              </a:fillRef>
-              <a:effectRef idx="0">
-                <a:schemeClr val="accent1"/>
-              </a:effectRef>
-              <a:fontRef idx="minor">
-                <a:schemeClr val="lt1"/>
-              </a:fontRef>
-            </p:style>
-            <p:txBody>
-              <a:bodyPr rtlCol="0" anchor="ctr"/>
-              <a:lstStyle/>
-              <a:p>
-                <a:pPr algn="ctr"/>
-                <a:endParaRPr lang="en-US"/>
-              </a:p>
-            </p:txBody>
-          </p:sp>
-          <p:sp>
-            <p:nvSpPr>
-              <p:cNvPr id="60" name="Oval 59">
-                <a:extLst>
-                  <a:ext uri="{FF2B5EF4-FFF2-40B4-BE49-F238E27FC236}">
-                    <a16:creationId xmlns:a16="http://schemas.microsoft.com/office/drawing/2014/main" id="{ED4C0107-BA02-4B71-871F-6DAC92E54335}"/>
-                  </a:ext>
-                </a:extLst>
-              </p:cNvPr>
-              <p:cNvSpPr/>
-              <p:nvPr/>
-            </p:nvSpPr>
-            <p:spPr>
-              <a:xfrm>
-                <a:off x="8709373" y="6166513"/>
-                <a:ext cx="76236" cy="373730"/>
-              </a:xfrm>
-              <a:prstGeom prst="ellipse">
-                <a:avLst/>
-              </a:prstGeom>
-              <a:noFill/>
-              <a:ln w="15875">
-                <a:gradFill flip="none" rotWithShape="1">
-                  <a:gsLst>
-                    <a:gs pos="0">
-                      <a:schemeClr val="accent1">
-                        <a:lumMod val="5000"/>
-                        <a:lumOff val="95000"/>
-                      </a:schemeClr>
-                    </a:gs>
-                    <a:gs pos="100000">
-                      <a:srgbClr val="2F528F"/>
-                    </a:gs>
-                  </a:gsLst>
-                  <a:lin ang="0" scaled="1"/>
-                  <a:tileRect/>
-                </a:gradFill>
-              </a:ln>
-            </p:spPr>
-            <p:style>
-              <a:lnRef idx="2">
-                <a:schemeClr val="accent1">
-                  <a:shade val="50000"/>
-                </a:schemeClr>
-              </a:lnRef>
-              <a:fillRef idx="1">
-                <a:schemeClr val="accent1"/>
-              </a:fillRef>
-              <a:effectRef idx="0">
-                <a:schemeClr val="accent1"/>
-              </a:effectRef>
-              <a:fontRef idx="minor">
-                <a:schemeClr val="lt1"/>
-              </a:fontRef>
-            </p:style>
-            <p:txBody>
-              <a:bodyPr rtlCol="0" anchor="ctr"/>
-              <a:lstStyle/>
-              <a:p>
-                <a:pPr algn="ctr"/>
-                <a:endParaRPr lang="en-US"/>
-              </a:p>
-            </p:txBody>
-          </p:sp>
-          <p:sp>
-            <p:nvSpPr>
-              <p:cNvPr id="61" name="Oval 60">
-                <a:extLst>
-                  <a:ext uri="{FF2B5EF4-FFF2-40B4-BE49-F238E27FC236}">
-                    <a16:creationId xmlns:a16="http://schemas.microsoft.com/office/drawing/2014/main" id="{40F5E5DA-9AF2-4712-AB92-D51A17B9455F}"/>
-                  </a:ext>
-                </a:extLst>
-              </p:cNvPr>
-              <p:cNvSpPr/>
-              <p:nvPr/>
-            </p:nvSpPr>
-            <p:spPr>
-              <a:xfrm>
-                <a:off x="8985098" y="6169688"/>
-                <a:ext cx="76236" cy="373730"/>
-              </a:xfrm>
-              <a:prstGeom prst="ellipse">
-                <a:avLst/>
-              </a:prstGeom>
-              <a:noFill/>
-              <a:ln w="15875">
-                <a:gradFill flip="none" rotWithShape="1">
-                  <a:gsLst>
-                    <a:gs pos="0">
-                      <a:schemeClr val="accent1">
-                        <a:lumMod val="5000"/>
-                        <a:lumOff val="95000"/>
-                      </a:schemeClr>
-                    </a:gs>
-                    <a:gs pos="100000">
-                      <a:srgbClr val="2F528F"/>
-                    </a:gs>
-                  </a:gsLst>
-                  <a:lin ang="0" scaled="1"/>
-                  <a:tileRect/>
-                </a:gradFill>
-              </a:ln>
-            </p:spPr>
-            <p:style>
-              <a:lnRef idx="2">
-                <a:schemeClr val="accent1">
-                  <a:shade val="50000"/>
-                </a:schemeClr>
-              </a:lnRef>
-              <a:fillRef idx="1">
-                <a:schemeClr val="accent1"/>
-              </a:fillRef>
-              <a:effectRef idx="0">
-                <a:schemeClr val="accent1"/>
-              </a:effectRef>
-              <a:fontRef idx="minor">
-                <a:schemeClr val="lt1"/>
-              </a:fontRef>
-            </p:style>
-            <p:txBody>
-              <a:bodyPr rtlCol="0" anchor="ctr"/>
-              <a:lstStyle/>
-              <a:p>
-                <a:pPr algn="ctr"/>
-                <a:endParaRPr lang="en-US"/>
-              </a:p>
-            </p:txBody>
-          </p:sp>
-          <p:sp>
-            <p:nvSpPr>
-              <p:cNvPr id="62" name="Oval 61">
-                <a:extLst>
-                  <a:ext uri="{FF2B5EF4-FFF2-40B4-BE49-F238E27FC236}">
-                    <a16:creationId xmlns:a16="http://schemas.microsoft.com/office/drawing/2014/main" id="{8666BD41-BC6E-4D8B-8270-FD43ABF78AE0}"/>
-                  </a:ext>
-                </a:extLst>
-              </p:cNvPr>
-              <p:cNvSpPr/>
-              <p:nvPr/>
-            </p:nvSpPr>
-            <p:spPr>
-              <a:xfrm>
-                <a:off x="9260834" y="6169688"/>
-                <a:ext cx="76236" cy="373730"/>
-              </a:xfrm>
-              <a:prstGeom prst="ellipse">
-                <a:avLst/>
-              </a:prstGeom>
-              <a:noFill/>
-              <a:ln w="15875">
-                <a:gradFill flip="none" rotWithShape="1">
-                  <a:gsLst>
-                    <a:gs pos="0">
-                      <a:schemeClr val="accent1">
-                        <a:lumMod val="5000"/>
-                        <a:lumOff val="95000"/>
-                      </a:schemeClr>
-                    </a:gs>
-                    <a:gs pos="100000">
-                      <a:srgbClr val="2F528F"/>
-                    </a:gs>
-                  </a:gsLst>
-                  <a:lin ang="0" scaled="1"/>
-                  <a:tileRect/>
-                </a:gradFill>
-              </a:ln>
-            </p:spPr>
-            <p:style>
-              <a:lnRef idx="2">
-                <a:schemeClr val="accent1">
-                  <a:shade val="50000"/>
-                </a:schemeClr>
-              </a:lnRef>
-              <a:fillRef idx="1">
-                <a:schemeClr val="accent1"/>
-              </a:fillRef>
-              <a:effectRef idx="0">
-                <a:schemeClr val="accent1"/>
-              </a:effectRef>
-              <a:fontRef idx="minor">
-                <a:schemeClr val="lt1"/>
-              </a:fontRef>
-            </p:style>
-            <p:txBody>
-              <a:bodyPr rtlCol="0" anchor="ctr"/>
-              <a:lstStyle/>
-              <a:p>
-                <a:pPr algn="ctr"/>
-                <a:endParaRPr lang="en-US"/>
-              </a:p>
-            </p:txBody>
-          </p:sp>
-        </p:grpSp>
-        <p:sp>
-          <p:nvSpPr>
-            <p:cNvPr id="18" name="Cylinder 17">
-              <a:extLst>
-                <a:ext uri="{FF2B5EF4-FFF2-40B4-BE49-F238E27FC236}">
-                  <a16:creationId xmlns:a16="http://schemas.microsoft.com/office/drawing/2014/main" id="{AA116345-0B16-4938-A1EF-7335A5264C2E}"/>
-                </a:ext>
-              </a:extLst>
-            </p:cNvPr>
-            <p:cNvSpPr/>
-            <p:nvPr/>
-          </p:nvSpPr>
-          <p:spPr>
-            <a:xfrm rot="16200000">
-              <a:off x="5549067" y="2467866"/>
-              <a:ext cx="373729" cy="7733490"/>
-            </a:xfrm>
-            <a:prstGeom prst="can">
-              <a:avLst/>
-            </a:prstGeom>
-            <a:noFill/>
-          </p:spPr>
-          <p:style>
-            <a:lnRef idx="2">
-              <a:schemeClr val="accent1">
-                <a:shade val="50000"/>
-              </a:schemeClr>
-            </a:lnRef>
-            <a:fillRef idx="1">
-              <a:schemeClr val="accent1"/>
-            </a:fillRef>
-            <a:effectRef idx="0">
-              <a:schemeClr val="accent1"/>
-            </a:effectRef>
-            <a:fontRef idx="minor">
-              <a:schemeClr val="lt1"/>
-            </a:fontRef>
-          </p:style>
-          <p:txBody>
-            <a:bodyPr rtlCol="0" anchor="ctr"/>
-            <a:lstStyle/>
-            <a:p>
-              <a:pPr algn="ctr"/>
-              <a:endParaRPr lang="en-US"/>
-            </a:p>
-          </p:txBody>
-        </p:sp>
-      </p:grpSp>
-      <p:cxnSp>
-        <p:nvCxnSpPr>
-          <p:cNvPr id="68" name="Straight Connector 67">
-            <a:extLst>
-              <a:ext uri="{FF2B5EF4-FFF2-40B4-BE49-F238E27FC236}">
-                <a16:creationId xmlns:a16="http://schemas.microsoft.com/office/drawing/2014/main" id="{0548E9B6-0DB5-4183-8100-43C43965DDEE}"/>
-              </a:ext>
-            </a:extLst>
-          </p:cNvPr>
-          <p:cNvCxnSpPr>
-            <a:cxnSpLocks/>
-          </p:cNvCxnSpPr>
-          <p:nvPr/>
-        </p:nvCxnSpPr>
+        </p:nvSpPr>
         <p:spPr>
           <a:xfrm>
-            <a:off x="2825884" y="4221804"/>
-            <a:ext cx="113617" cy="1438547"/>
-          </a:xfrm>
-          <a:prstGeom prst="line">
-            <a:avLst/>
-          </a:prstGeom>
-          <a:ln w="25400">
-            <a:solidFill>
-              <a:srgbClr val="7C9CD5"/>
-            </a:solidFill>
-          </a:ln>
-        </p:spPr>
-        <p:style>
-          <a:lnRef idx="1">
-            <a:schemeClr val="accent1"/>
-          </a:lnRef>
-          <a:fillRef idx="0">
-            <a:schemeClr val="accent1"/>
-          </a:fillRef>
-          <a:effectRef idx="0">
-            <a:schemeClr val="accent1"/>
-          </a:effectRef>
-          <a:fontRef idx="minor">
-            <a:schemeClr val="tx1"/>
-          </a:fontRef>
-        </p:style>
-      </p:cxnSp>
-      <p:cxnSp>
-        <p:nvCxnSpPr>
-          <p:cNvPr id="73" name="Straight Connector 72">
-            <a:extLst>
-              <a:ext uri="{FF2B5EF4-FFF2-40B4-BE49-F238E27FC236}">
-                <a16:creationId xmlns:a16="http://schemas.microsoft.com/office/drawing/2014/main" id="{3E43F2D0-7E4F-4607-A284-580BA04C80E3}"/>
-              </a:ext>
-            </a:extLst>
-          </p:cNvPr>
-          <p:cNvCxnSpPr>
-            <a:cxnSpLocks/>
-          </p:cNvCxnSpPr>
-          <p:nvPr/>
-        </p:nvCxnSpPr>
-        <p:spPr>
-          <a:xfrm flipH="1">
-            <a:off x="3173978" y="4690357"/>
-            <a:ext cx="1594196" cy="983232"/>
-          </a:xfrm>
-          <a:prstGeom prst="line">
-            <a:avLst/>
-          </a:prstGeom>
-          <a:ln w="25400">
-            <a:solidFill>
-              <a:srgbClr val="7C9CD5"/>
-            </a:solidFill>
-          </a:ln>
-        </p:spPr>
-        <p:style>
-          <a:lnRef idx="1">
-            <a:schemeClr val="accent1"/>
-          </a:lnRef>
-          <a:fillRef idx="0">
-            <a:schemeClr val="accent1"/>
-          </a:fillRef>
-          <a:effectRef idx="0">
-            <a:schemeClr val="accent1"/>
-          </a:effectRef>
-          <a:fontRef idx="minor">
-            <a:schemeClr val="tx1"/>
-          </a:fontRef>
-        </p:style>
-      </p:cxnSp>
-      <p:cxnSp>
-        <p:nvCxnSpPr>
-          <p:cNvPr id="76" name="Straight Connector 75">
-            <a:extLst>
-              <a:ext uri="{FF2B5EF4-FFF2-40B4-BE49-F238E27FC236}">
-                <a16:creationId xmlns:a16="http://schemas.microsoft.com/office/drawing/2014/main" id="{13246692-A617-470E-91C1-7CA4CBCB66E0}"/>
-              </a:ext>
-            </a:extLst>
-          </p:cNvPr>
-          <p:cNvCxnSpPr>
-            <a:cxnSpLocks/>
-          </p:cNvCxnSpPr>
-          <p:nvPr/>
-        </p:nvCxnSpPr>
-        <p:spPr>
-          <a:xfrm flipH="1">
-            <a:off x="3419121" y="5143501"/>
-            <a:ext cx="3360178" cy="516850"/>
-          </a:xfrm>
-          <a:prstGeom prst="line">
-            <a:avLst/>
-          </a:prstGeom>
-          <a:ln w="25400">
-            <a:solidFill>
-              <a:srgbClr val="7C9CD5"/>
-            </a:solidFill>
-          </a:ln>
-        </p:spPr>
-        <p:style>
-          <a:lnRef idx="1">
-            <a:schemeClr val="accent1"/>
-          </a:lnRef>
-          <a:fillRef idx="0">
-            <a:schemeClr val="accent1"/>
-          </a:fillRef>
-          <a:effectRef idx="0">
-            <a:schemeClr val="accent1"/>
-          </a:effectRef>
-          <a:fontRef idx="minor">
-            <a:schemeClr val="tx1"/>
-          </a:fontRef>
-        </p:style>
-      </p:cxnSp>
-      <p:grpSp>
-        <p:nvGrpSpPr>
-          <p:cNvPr id="116" name="Group 115">
-            <a:extLst>
-              <a:ext uri="{FF2B5EF4-FFF2-40B4-BE49-F238E27FC236}">
-                <a16:creationId xmlns:a16="http://schemas.microsoft.com/office/drawing/2014/main" id="{F3FCA134-A345-43E3-978B-478B96264EF6}"/>
-              </a:ext>
-            </a:extLst>
-          </p:cNvPr>
-          <p:cNvGrpSpPr/>
-          <p:nvPr/>
-        </p:nvGrpSpPr>
-        <p:grpSpPr>
-          <a:xfrm>
-            <a:off x="1914518" y="6227288"/>
-            <a:ext cx="7700065" cy="230832"/>
-            <a:chOff x="1924246" y="6227288"/>
-            <a:chExt cx="7700065" cy="230832"/>
-          </a:xfrm>
-        </p:grpSpPr>
-        <p:sp>
-          <p:nvSpPr>
-            <p:cNvPr id="88" name="TextBox 87">
-              <a:extLst>
-                <a:ext uri="{FF2B5EF4-FFF2-40B4-BE49-F238E27FC236}">
-                  <a16:creationId xmlns:a16="http://schemas.microsoft.com/office/drawing/2014/main" id="{1E23DEC9-3A34-4E25-BAAC-D7914D83C565}"/>
-                </a:ext>
-              </a:extLst>
-            </p:cNvPr>
-            <p:cNvSpPr txBox="1"/>
-            <p:nvPr/>
-          </p:nvSpPr>
-          <p:spPr>
-            <a:xfrm>
-              <a:off x="1924246" y="6227288"/>
-              <a:ext cx="300039" cy="230832"/>
-            </a:xfrm>
-            <a:prstGeom prst="rect">
-              <a:avLst/>
-            </a:prstGeom>
-            <a:noFill/>
-          </p:spPr>
-          <p:txBody>
-            <a:bodyPr wrap="square" rtlCol="0">
-              <a:spAutoFit/>
-            </a:bodyPr>
-            <a:lstStyle/>
-            <a:p>
-              <a:r>
-                <a:rPr lang="en-US" sz="900" dirty="0"/>
-                <a:t>00</a:t>
-              </a:r>
-            </a:p>
-          </p:txBody>
-        </p:sp>
-        <p:sp>
-          <p:nvSpPr>
-            <p:cNvPr id="89" name="TextBox 88">
-              <a:extLst>
-                <a:ext uri="{FF2B5EF4-FFF2-40B4-BE49-F238E27FC236}">
-                  <a16:creationId xmlns:a16="http://schemas.microsoft.com/office/drawing/2014/main" id="{A157836A-B176-4208-BA38-43784DF84E33}"/>
-                </a:ext>
-              </a:extLst>
-            </p:cNvPr>
-            <p:cNvSpPr txBox="1"/>
-            <p:nvPr/>
-          </p:nvSpPr>
-          <p:spPr>
-            <a:xfrm>
-              <a:off x="2198321" y="6227288"/>
-              <a:ext cx="300039" cy="230832"/>
-            </a:xfrm>
-            <a:prstGeom prst="rect">
-              <a:avLst/>
-            </a:prstGeom>
-            <a:noFill/>
-          </p:spPr>
-          <p:txBody>
-            <a:bodyPr wrap="square" rtlCol="0">
-              <a:spAutoFit/>
-            </a:bodyPr>
-            <a:lstStyle/>
-            <a:p>
-              <a:r>
-                <a:rPr lang="en-US" sz="900" dirty="0"/>
-                <a:t>01</a:t>
-              </a:r>
-            </a:p>
-          </p:txBody>
-        </p:sp>
-        <p:sp>
-          <p:nvSpPr>
-            <p:cNvPr id="90" name="TextBox 89">
-              <a:extLst>
-                <a:ext uri="{FF2B5EF4-FFF2-40B4-BE49-F238E27FC236}">
-                  <a16:creationId xmlns:a16="http://schemas.microsoft.com/office/drawing/2014/main" id="{8749BE35-3F2F-43BD-9B30-1826F99B7772}"/>
-                </a:ext>
-              </a:extLst>
-            </p:cNvPr>
-            <p:cNvSpPr txBox="1"/>
-            <p:nvPr/>
-          </p:nvSpPr>
-          <p:spPr>
-            <a:xfrm>
-              <a:off x="2472396" y="6227288"/>
-              <a:ext cx="300039" cy="230832"/>
-            </a:xfrm>
-            <a:prstGeom prst="rect">
-              <a:avLst/>
-            </a:prstGeom>
-            <a:noFill/>
-          </p:spPr>
-          <p:txBody>
-            <a:bodyPr wrap="square" rtlCol="0">
-              <a:spAutoFit/>
-            </a:bodyPr>
-            <a:lstStyle/>
-            <a:p>
-              <a:r>
-                <a:rPr lang="en-US" sz="900" dirty="0"/>
-                <a:t>02</a:t>
-              </a:r>
-            </a:p>
-          </p:txBody>
-        </p:sp>
-        <p:sp>
-          <p:nvSpPr>
-            <p:cNvPr id="91" name="TextBox 90">
-              <a:extLst>
-                <a:ext uri="{FF2B5EF4-FFF2-40B4-BE49-F238E27FC236}">
-                  <a16:creationId xmlns:a16="http://schemas.microsoft.com/office/drawing/2014/main" id="{8E79BBE4-4BC0-4069-8FBB-387171ED815A}"/>
-                </a:ext>
-              </a:extLst>
-            </p:cNvPr>
-            <p:cNvSpPr txBox="1"/>
-            <p:nvPr/>
-          </p:nvSpPr>
-          <p:spPr>
-            <a:xfrm>
-              <a:off x="2746471" y="6227288"/>
-              <a:ext cx="300039" cy="230832"/>
-            </a:xfrm>
-            <a:prstGeom prst="rect">
-              <a:avLst/>
-            </a:prstGeom>
-            <a:noFill/>
-          </p:spPr>
-          <p:txBody>
-            <a:bodyPr wrap="square" rtlCol="0">
-              <a:spAutoFit/>
-            </a:bodyPr>
-            <a:lstStyle/>
-            <a:p>
-              <a:r>
-                <a:rPr lang="en-US" sz="900" dirty="0"/>
-                <a:t>03</a:t>
-              </a:r>
-            </a:p>
-          </p:txBody>
-        </p:sp>
-        <p:sp>
-          <p:nvSpPr>
-            <p:cNvPr id="92" name="TextBox 91">
-              <a:extLst>
-                <a:ext uri="{FF2B5EF4-FFF2-40B4-BE49-F238E27FC236}">
-                  <a16:creationId xmlns:a16="http://schemas.microsoft.com/office/drawing/2014/main" id="{3566517F-C797-4A9E-BDA2-85F480532856}"/>
-                </a:ext>
-              </a:extLst>
-            </p:cNvPr>
-            <p:cNvSpPr txBox="1"/>
-            <p:nvPr/>
-          </p:nvSpPr>
-          <p:spPr>
-            <a:xfrm>
-              <a:off x="3020546" y="6227288"/>
-              <a:ext cx="300039" cy="230832"/>
-            </a:xfrm>
-            <a:prstGeom prst="rect">
-              <a:avLst/>
-            </a:prstGeom>
-            <a:noFill/>
-          </p:spPr>
-          <p:txBody>
-            <a:bodyPr wrap="square" rtlCol="0">
-              <a:spAutoFit/>
-            </a:bodyPr>
-            <a:lstStyle/>
-            <a:p>
-              <a:r>
-                <a:rPr lang="en-US" sz="900" dirty="0"/>
-                <a:t>04</a:t>
-              </a:r>
-            </a:p>
-          </p:txBody>
-        </p:sp>
-        <p:sp>
-          <p:nvSpPr>
-            <p:cNvPr id="93" name="TextBox 92">
-              <a:extLst>
-                <a:ext uri="{FF2B5EF4-FFF2-40B4-BE49-F238E27FC236}">
-                  <a16:creationId xmlns:a16="http://schemas.microsoft.com/office/drawing/2014/main" id="{3A7FD816-1C33-40C8-A57E-77FC7CE47933}"/>
-                </a:ext>
-              </a:extLst>
-            </p:cNvPr>
-            <p:cNvSpPr txBox="1"/>
-            <p:nvPr/>
-          </p:nvSpPr>
-          <p:spPr>
-            <a:xfrm>
-              <a:off x="3294621" y="6227288"/>
-              <a:ext cx="300039" cy="230832"/>
-            </a:xfrm>
-            <a:prstGeom prst="rect">
-              <a:avLst/>
-            </a:prstGeom>
-            <a:noFill/>
-          </p:spPr>
-          <p:txBody>
-            <a:bodyPr wrap="square" rtlCol="0">
-              <a:spAutoFit/>
-            </a:bodyPr>
-            <a:lstStyle/>
-            <a:p>
-              <a:r>
-                <a:rPr lang="en-US" sz="900" dirty="0"/>
-                <a:t>05</a:t>
-              </a:r>
-            </a:p>
-          </p:txBody>
-        </p:sp>
-        <p:sp>
-          <p:nvSpPr>
-            <p:cNvPr id="94" name="TextBox 93">
-              <a:extLst>
-                <a:ext uri="{FF2B5EF4-FFF2-40B4-BE49-F238E27FC236}">
-                  <a16:creationId xmlns:a16="http://schemas.microsoft.com/office/drawing/2014/main" id="{B913146D-0B84-40FA-81FE-1A1FBDF54CCC}"/>
-                </a:ext>
-              </a:extLst>
-            </p:cNvPr>
-            <p:cNvSpPr txBox="1"/>
-            <p:nvPr/>
-          </p:nvSpPr>
-          <p:spPr>
-            <a:xfrm>
-              <a:off x="3568696" y="6227288"/>
-              <a:ext cx="300039" cy="230832"/>
-            </a:xfrm>
-            <a:prstGeom prst="rect">
-              <a:avLst/>
-            </a:prstGeom>
-            <a:noFill/>
-          </p:spPr>
-          <p:txBody>
-            <a:bodyPr wrap="square" rtlCol="0">
-              <a:spAutoFit/>
-            </a:bodyPr>
-            <a:lstStyle/>
-            <a:p>
-              <a:r>
-                <a:rPr lang="en-US" sz="900" dirty="0"/>
-                <a:t>06</a:t>
-              </a:r>
-            </a:p>
-          </p:txBody>
-        </p:sp>
-        <p:sp>
-          <p:nvSpPr>
-            <p:cNvPr id="95" name="TextBox 94">
-              <a:extLst>
-                <a:ext uri="{FF2B5EF4-FFF2-40B4-BE49-F238E27FC236}">
-                  <a16:creationId xmlns:a16="http://schemas.microsoft.com/office/drawing/2014/main" id="{A8E9E679-9533-45D5-A185-CA64FC3BA283}"/>
-                </a:ext>
-              </a:extLst>
-            </p:cNvPr>
-            <p:cNvSpPr txBox="1"/>
-            <p:nvPr/>
-          </p:nvSpPr>
-          <p:spPr>
-            <a:xfrm>
-              <a:off x="4390921" y="6227288"/>
-              <a:ext cx="300039" cy="230832"/>
-            </a:xfrm>
-            <a:prstGeom prst="rect">
-              <a:avLst/>
-            </a:prstGeom>
-            <a:noFill/>
-          </p:spPr>
-          <p:txBody>
-            <a:bodyPr wrap="square" rtlCol="0">
-              <a:spAutoFit/>
-            </a:bodyPr>
-            <a:lstStyle/>
-            <a:p>
-              <a:r>
-                <a:rPr lang="en-US" sz="900" dirty="0"/>
-                <a:t>09</a:t>
-              </a:r>
-            </a:p>
-          </p:txBody>
-        </p:sp>
-        <p:sp>
-          <p:nvSpPr>
-            <p:cNvPr id="96" name="TextBox 95">
-              <a:extLst>
-                <a:ext uri="{FF2B5EF4-FFF2-40B4-BE49-F238E27FC236}">
-                  <a16:creationId xmlns:a16="http://schemas.microsoft.com/office/drawing/2014/main" id="{7E11B7DA-2E4A-4C08-B7CE-BF5231D62358}"/>
-                </a:ext>
-              </a:extLst>
-            </p:cNvPr>
-            <p:cNvSpPr txBox="1"/>
-            <p:nvPr/>
-          </p:nvSpPr>
-          <p:spPr>
-            <a:xfrm>
-              <a:off x="3842771" y="6227288"/>
-              <a:ext cx="300039" cy="230832"/>
-            </a:xfrm>
-            <a:prstGeom prst="rect">
-              <a:avLst/>
-            </a:prstGeom>
-            <a:noFill/>
-          </p:spPr>
-          <p:txBody>
-            <a:bodyPr wrap="square" rtlCol="0">
-              <a:spAutoFit/>
-            </a:bodyPr>
-            <a:lstStyle/>
-            <a:p>
-              <a:r>
-                <a:rPr lang="en-US" sz="900" dirty="0"/>
-                <a:t>07</a:t>
-              </a:r>
-            </a:p>
-          </p:txBody>
-        </p:sp>
-        <p:sp>
-          <p:nvSpPr>
-            <p:cNvPr id="97" name="TextBox 96">
-              <a:extLst>
-                <a:ext uri="{FF2B5EF4-FFF2-40B4-BE49-F238E27FC236}">
-                  <a16:creationId xmlns:a16="http://schemas.microsoft.com/office/drawing/2014/main" id="{10C91698-5E23-498D-A670-76277467BD27}"/>
-                </a:ext>
-              </a:extLst>
-            </p:cNvPr>
-            <p:cNvSpPr txBox="1"/>
-            <p:nvPr/>
-          </p:nvSpPr>
-          <p:spPr>
-            <a:xfrm>
-              <a:off x="4664996" y="6227288"/>
-              <a:ext cx="300039" cy="230832"/>
-            </a:xfrm>
-            <a:prstGeom prst="rect">
-              <a:avLst/>
-            </a:prstGeom>
-            <a:noFill/>
-          </p:spPr>
-          <p:txBody>
-            <a:bodyPr wrap="square" rtlCol="0">
-              <a:spAutoFit/>
-            </a:bodyPr>
-            <a:lstStyle/>
-            <a:p>
-              <a:r>
-                <a:rPr lang="en-US" sz="900" dirty="0"/>
-                <a:t>10</a:t>
-              </a:r>
-            </a:p>
-          </p:txBody>
-        </p:sp>
-        <p:sp>
-          <p:nvSpPr>
-            <p:cNvPr id="98" name="TextBox 97">
-              <a:extLst>
-                <a:ext uri="{FF2B5EF4-FFF2-40B4-BE49-F238E27FC236}">
-                  <a16:creationId xmlns:a16="http://schemas.microsoft.com/office/drawing/2014/main" id="{59D2C642-E1E1-48F5-87E4-40F8EECD3C21}"/>
-                </a:ext>
-              </a:extLst>
-            </p:cNvPr>
-            <p:cNvSpPr txBox="1"/>
-            <p:nvPr/>
-          </p:nvSpPr>
-          <p:spPr>
-            <a:xfrm>
-              <a:off x="4116846" y="6227288"/>
-              <a:ext cx="300039" cy="230832"/>
-            </a:xfrm>
-            <a:prstGeom prst="rect">
-              <a:avLst/>
-            </a:prstGeom>
-            <a:noFill/>
-          </p:spPr>
-          <p:txBody>
-            <a:bodyPr wrap="square" rtlCol="0">
-              <a:spAutoFit/>
-            </a:bodyPr>
-            <a:lstStyle/>
-            <a:p>
-              <a:r>
-                <a:rPr lang="en-US" sz="900" dirty="0"/>
-                <a:t>08</a:t>
-              </a:r>
-            </a:p>
-          </p:txBody>
-        </p:sp>
-        <p:sp>
-          <p:nvSpPr>
-            <p:cNvPr id="99" name="TextBox 98">
-              <a:extLst>
-                <a:ext uri="{FF2B5EF4-FFF2-40B4-BE49-F238E27FC236}">
-                  <a16:creationId xmlns:a16="http://schemas.microsoft.com/office/drawing/2014/main" id="{21E5DAD9-75B0-4962-8BB6-07AF63F2AF5B}"/>
-                </a:ext>
-              </a:extLst>
-            </p:cNvPr>
-            <p:cNvSpPr txBox="1"/>
-            <p:nvPr/>
-          </p:nvSpPr>
-          <p:spPr>
-            <a:xfrm>
-              <a:off x="4939071" y="6227288"/>
-              <a:ext cx="300039" cy="230832"/>
-            </a:xfrm>
-            <a:prstGeom prst="rect">
-              <a:avLst/>
-            </a:prstGeom>
-            <a:noFill/>
-          </p:spPr>
-          <p:txBody>
-            <a:bodyPr wrap="square" rtlCol="0">
-              <a:spAutoFit/>
-            </a:bodyPr>
-            <a:lstStyle/>
-            <a:p>
-              <a:r>
-                <a:rPr lang="en-US" sz="900" dirty="0"/>
-                <a:t>11</a:t>
-              </a:r>
-            </a:p>
-          </p:txBody>
-        </p:sp>
-        <p:sp>
-          <p:nvSpPr>
-            <p:cNvPr id="100" name="TextBox 99">
-              <a:extLst>
-                <a:ext uri="{FF2B5EF4-FFF2-40B4-BE49-F238E27FC236}">
-                  <a16:creationId xmlns:a16="http://schemas.microsoft.com/office/drawing/2014/main" id="{7CC458D0-2706-4953-8051-D3B88F38C198}"/>
-                </a:ext>
-              </a:extLst>
-            </p:cNvPr>
-            <p:cNvSpPr txBox="1"/>
-            <p:nvPr/>
-          </p:nvSpPr>
-          <p:spPr>
-            <a:xfrm>
-              <a:off x="5213146" y="6227288"/>
-              <a:ext cx="300039" cy="230832"/>
-            </a:xfrm>
-            <a:prstGeom prst="rect">
-              <a:avLst/>
-            </a:prstGeom>
-            <a:noFill/>
-          </p:spPr>
-          <p:txBody>
-            <a:bodyPr wrap="square" rtlCol="0">
-              <a:spAutoFit/>
-            </a:bodyPr>
-            <a:lstStyle/>
-            <a:p>
-              <a:r>
-                <a:rPr lang="en-US" sz="900" dirty="0"/>
-                <a:t>12</a:t>
-              </a:r>
-            </a:p>
-          </p:txBody>
-        </p:sp>
-        <p:sp>
-          <p:nvSpPr>
-            <p:cNvPr id="101" name="TextBox 100">
-              <a:extLst>
-                <a:ext uri="{FF2B5EF4-FFF2-40B4-BE49-F238E27FC236}">
-                  <a16:creationId xmlns:a16="http://schemas.microsoft.com/office/drawing/2014/main" id="{E451C7CB-DC88-4A11-8DA5-6A33B6D4E3EB}"/>
-                </a:ext>
-              </a:extLst>
-            </p:cNvPr>
-            <p:cNvSpPr txBox="1"/>
-            <p:nvPr/>
-          </p:nvSpPr>
-          <p:spPr>
-            <a:xfrm>
-              <a:off x="5487221" y="6227288"/>
-              <a:ext cx="300039" cy="230832"/>
-            </a:xfrm>
-            <a:prstGeom prst="rect">
-              <a:avLst/>
-            </a:prstGeom>
-            <a:noFill/>
-          </p:spPr>
-          <p:txBody>
-            <a:bodyPr wrap="square" rtlCol="0">
-              <a:spAutoFit/>
-            </a:bodyPr>
-            <a:lstStyle/>
-            <a:p>
-              <a:r>
-                <a:rPr lang="en-US" sz="900" dirty="0"/>
-                <a:t>13</a:t>
-              </a:r>
-            </a:p>
-          </p:txBody>
-        </p:sp>
-        <p:sp>
-          <p:nvSpPr>
-            <p:cNvPr id="102" name="TextBox 101">
-              <a:extLst>
-                <a:ext uri="{FF2B5EF4-FFF2-40B4-BE49-F238E27FC236}">
-                  <a16:creationId xmlns:a16="http://schemas.microsoft.com/office/drawing/2014/main" id="{1260D4C8-6F60-4F6B-9F6C-647BD96F72E1}"/>
-                </a:ext>
-              </a:extLst>
-            </p:cNvPr>
-            <p:cNvSpPr txBox="1"/>
-            <p:nvPr/>
-          </p:nvSpPr>
-          <p:spPr>
-            <a:xfrm>
-              <a:off x="5761296" y="6227288"/>
-              <a:ext cx="300039" cy="230832"/>
-            </a:xfrm>
-            <a:prstGeom prst="rect">
-              <a:avLst/>
-            </a:prstGeom>
-            <a:noFill/>
-          </p:spPr>
-          <p:txBody>
-            <a:bodyPr wrap="square" rtlCol="0">
-              <a:spAutoFit/>
-            </a:bodyPr>
-            <a:lstStyle/>
-            <a:p>
-              <a:r>
-                <a:rPr lang="en-US" sz="900" dirty="0"/>
-                <a:t>14</a:t>
-              </a:r>
-            </a:p>
-          </p:txBody>
-        </p:sp>
-        <p:sp>
-          <p:nvSpPr>
-            <p:cNvPr id="103" name="TextBox 102">
-              <a:extLst>
-                <a:ext uri="{FF2B5EF4-FFF2-40B4-BE49-F238E27FC236}">
-                  <a16:creationId xmlns:a16="http://schemas.microsoft.com/office/drawing/2014/main" id="{6A1C40A8-453F-430A-9553-CCEB80280B53}"/>
-                </a:ext>
-              </a:extLst>
-            </p:cNvPr>
-            <p:cNvSpPr txBox="1"/>
-            <p:nvPr/>
-          </p:nvSpPr>
-          <p:spPr>
-            <a:xfrm>
-              <a:off x="6309446" y="6227288"/>
-              <a:ext cx="300039" cy="230832"/>
-            </a:xfrm>
-            <a:prstGeom prst="rect">
-              <a:avLst/>
-            </a:prstGeom>
-            <a:noFill/>
-          </p:spPr>
-          <p:txBody>
-            <a:bodyPr wrap="square" rtlCol="0">
-              <a:spAutoFit/>
-            </a:bodyPr>
-            <a:lstStyle/>
-            <a:p>
-              <a:r>
-                <a:rPr lang="en-US" sz="900" dirty="0"/>
-                <a:t>16</a:t>
-              </a:r>
-            </a:p>
-          </p:txBody>
-        </p:sp>
-        <p:sp>
-          <p:nvSpPr>
-            <p:cNvPr id="104" name="TextBox 103">
-              <a:extLst>
-                <a:ext uri="{FF2B5EF4-FFF2-40B4-BE49-F238E27FC236}">
-                  <a16:creationId xmlns:a16="http://schemas.microsoft.com/office/drawing/2014/main" id="{D2E4228E-A338-437B-AE84-3C9C48CF155A}"/>
-                </a:ext>
-              </a:extLst>
-            </p:cNvPr>
-            <p:cNvSpPr txBox="1"/>
-            <p:nvPr/>
-          </p:nvSpPr>
-          <p:spPr>
-            <a:xfrm>
-              <a:off x="6035371" y="6227288"/>
-              <a:ext cx="300039" cy="230832"/>
-            </a:xfrm>
-            <a:prstGeom prst="rect">
-              <a:avLst/>
-            </a:prstGeom>
-            <a:noFill/>
-          </p:spPr>
-          <p:txBody>
-            <a:bodyPr wrap="square" rtlCol="0">
-              <a:spAutoFit/>
-            </a:bodyPr>
-            <a:lstStyle/>
-            <a:p>
-              <a:r>
-                <a:rPr lang="en-US" sz="900" dirty="0"/>
-                <a:t>15</a:t>
-              </a:r>
-            </a:p>
-          </p:txBody>
-        </p:sp>
-        <p:sp>
-          <p:nvSpPr>
-            <p:cNvPr id="105" name="TextBox 104">
-              <a:extLst>
-                <a:ext uri="{FF2B5EF4-FFF2-40B4-BE49-F238E27FC236}">
-                  <a16:creationId xmlns:a16="http://schemas.microsoft.com/office/drawing/2014/main" id="{D1E3D2C4-5D3B-41E8-8106-D2D704ADB986}"/>
-                </a:ext>
-              </a:extLst>
-            </p:cNvPr>
-            <p:cNvSpPr txBox="1"/>
-            <p:nvPr/>
-          </p:nvSpPr>
-          <p:spPr>
-            <a:xfrm>
-              <a:off x="6583521" y="6227288"/>
-              <a:ext cx="300039" cy="230832"/>
-            </a:xfrm>
-            <a:prstGeom prst="rect">
-              <a:avLst/>
-            </a:prstGeom>
-            <a:noFill/>
-          </p:spPr>
-          <p:txBody>
-            <a:bodyPr wrap="square" rtlCol="0">
-              <a:spAutoFit/>
-            </a:bodyPr>
-            <a:lstStyle/>
-            <a:p>
-              <a:r>
-                <a:rPr lang="en-US" sz="900" dirty="0"/>
-                <a:t>17</a:t>
-              </a:r>
-            </a:p>
-          </p:txBody>
-        </p:sp>
-        <p:sp>
-          <p:nvSpPr>
-            <p:cNvPr id="106" name="TextBox 105">
-              <a:extLst>
-                <a:ext uri="{FF2B5EF4-FFF2-40B4-BE49-F238E27FC236}">
-                  <a16:creationId xmlns:a16="http://schemas.microsoft.com/office/drawing/2014/main" id="{47A7E392-3176-47F1-A1E5-826AEEB8AA06}"/>
-                </a:ext>
-              </a:extLst>
-            </p:cNvPr>
-            <p:cNvSpPr txBox="1"/>
-            <p:nvPr/>
-          </p:nvSpPr>
-          <p:spPr>
-            <a:xfrm>
-              <a:off x="6857596" y="6227288"/>
-              <a:ext cx="300039" cy="230832"/>
-            </a:xfrm>
-            <a:prstGeom prst="rect">
-              <a:avLst/>
-            </a:prstGeom>
-            <a:noFill/>
-          </p:spPr>
-          <p:txBody>
-            <a:bodyPr wrap="square" rtlCol="0">
-              <a:spAutoFit/>
-            </a:bodyPr>
-            <a:lstStyle/>
-            <a:p>
-              <a:r>
-                <a:rPr lang="en-US" sz="900" dirty="0"/>
-                <a:t>18</a:t>
-              </a:r>
-            </a:p>
-          </p:txBody>
-        </p:sp>
-        <p:sp>
-          <p:nvSpPr>
-            <p:cNvPr id="107" name="TextBox 106">
-              <a:extLst>
-                <a:ext uri="{FF2B5EF4-FFF2-40B4-BE49-F238E27FC236}">
-                  <a16:creationId xmlns:a16="http://schemas.microsoft.com/office/drawing/2014/main" id="{02109B7D-D2E0-4911-9CCD-9898D4A03870}"/>
-                </a:ext>
-              </a:extLst>
-            </p:cNvPr>
-            <p:cNvSpPr txBox="1"/>
-            <p:nvPr/>
-          </p:nvSpPr>
-          <p:spPr>
-            <a:xfrm>
-              <a:off x="7405746" y="6227288"/>
-              <a:ext cx="300039" cy="230832"/>
-            </a:xfrm>
-            <a:prstGeom prst="rect">
-              <a:avLst/>
-            </a:prstGeom>
-            <a:noFill/>
-          </p:spPr>
-          <p:txBody>
-            <a:bodyPr wrap="square" rtlCol="0">
-              <a:spAutoFit/>
-            </a:bodyPr>
-            <a:lstStyle/>
-            <a:p>
-              <a:r>
-                <a:rPr lang="en-US" sz="900" dirty="0"/>
-                <a:t>20</a:t>
-              </a:r>
-            </a:p>
-          </p:txBody>
-        </p:sp>
-        <p:sp>
-          <p:nvSpPr>
-            <p:cNvPr id="108" name="TextBox 107">
-              <a:extLst>
-                <a:ext uri="{FF2B5EF4-FFF2-40B4-BE49-F238E27FC236}">
-                  <a16:creationId xmlns:a16="http://schemas.microsoft.com/office/drawing/2014/main" id="{206121AF-ACB1-4E33-B9F0-48BF09A4F5E8}"/>
-                </a:ext>
-              </a:extLst>
-            </p:cNvPr>
-            <p:cNvSpPr txBox="1"/>
-            <p:nvPr/>
-          </p:nvSpPr>
-          <p:spPr>
-            <a:xfrm>
-              <a:off x="7131671" y="6227288"/>
-              <a:ext cx="300039" cy="230832"/>
-            </a:xfrm>
-            <a:prstGeom prst="rect">
-              <a:avLst/>
-            </a:prstGeom>
-            <a:noFill/>
-          </p:spPr>
-          <p:txBody>
-            <a:bodyPr wrap="square" rtlCol="0">
-              <a:spAutoFit/>
-            </a:bodyPr>
-            <a:lstStyle/>
-            <a:p>
-              <a:r>
-                <a:rPr lang="en-US" sz="900" dirty="0"/>
-                <a:t>19</a:t>
-              </a:r>
-            </a:p>
-          </p:txBody>
-        </p:sp>
-        <p:sp>
-          <p:nvSpPr>
-            <p:cNvPr id="109" name="TextBox 108">
-              <a:extLst>
-                <a:ext uri="{FF2B5EF4-FFF2-40B4-BE49-F238E27FC236}">
-                  <a16:creationId xmlns:a16="http://schemas.microsoft.com/office/drawing/2014/main" id="{14E5B4C4-B181-4B27-BD16-88C89BC94F58}"/>
-                </a:ext>
-              </a:extLst>
-            </p:cNvPr>
-            <p:cNvSpPr txBox="1"/>
-            <p:nvPr/>
-          </p:nvSpPr>
-          <p:spPr>
-            <a:xfrm>
-              <a:off x="7679821" y="6227288"/>
-              <a:ext cx="300039" cy="230832"/>
-            </a:xfrm>
-            <a:prstGeom prst="rect">
-              <a:avLst/>
-            </a:prstGeom>
-            <a:noFill/>
-          </p:spPr>
-          <p:txBody>
-            <a:bodyPr wrap="square" rtlCol="0">
-              <a:spAutoFit/>
-            </a:bodyPr>
-            <a:lstStyle/>
-            <a:p>
-              <a:r>
-                <a:rPr lang="en-US" sz="900" dirty="0"/>
-                <a:t>21</a:t>
-              </a:r>
-            </a:p>
-          </p:txBody>
-        </p:sp>
-        <p:sp>
-          <p:nvSpPr>
-            <p:cNvPr id="110" name="TextBox 109">
-              <a:extLst>
-                <a:ext uri="{FF2B5EF4-FFF2-40B4-BE49-F238E27FC236}">
-                  <a16:creationId xmlns:a16="http://schemas.microsoft.com/office/drawing/2014/main" id="{9897B82E-CE08-4D2A-A4C0-4ED61E5BD5B8}"/>
-                </a:ext>
-              </a:extLst>
-            </p:cNvPr>
-            <p:cNvSpPr txBox="1"/>
-            <p:nvPr/>
-          </p:nvSpPr>
-          <p:spPr>
-            <a:xfrm>
-              <a:off x="7953896" y="6227288"/>
-              <a:ext cx="300039" cy="230832"/>
-            </a:xfrm>
-            <a:prstGeom prst="rect">
-              <a:avLst/>
-            </a:prstGeom>
-            <a:noFill/>
-          </p:spPr>
-          <p:txBody>
-            <a:bodyPr wrap="square" rtlCol="0">
-              <a:spAutoFit/>
-            </a:bodyPr>
-            <a:lstStyle/>
-            <a:p>
-              <a:r>
-                <a:rPr lang="en-US" sz="900" dirty="0"/>
-                <a:t>22</a:t>
-              </a:r>
-            </a:p>
-          </p:txBody>
-        </p:sp>
-        <p:sp>
-          <p:nvSpPr>
-            <p:cNvPr id="111" name="TextBox 110">
-              <a:extLst>
-                <a:ext uri="{FF2B5EF4-FFF2-40B4-BE49-F238E27FC236}">
-                  <a16:creationId xmlns:a16="http://schemas.microsoft.com/office/drawing/2014/main" id="{68DB0071-6147-4A94-A7C7-E4EF71089F6A}"/>
-                </a:ext>
-              </a:extLst>
-            </p:cNvPr>
-            <p:cNvSpPr txBox="1"/>
-            <p:nvPr/>
-          </p:nvSpPr>
-          <p:spPr>
-            <a:xfrm>
-              <a:off x="8776121" y="6227288"/>
-              <a:ext cx="300039" cy="230832"/>
-            </a:xfrm>
-            <a:prstGeom prst="rect">
-              <a:avLst/>
-            </a:prstGeom>
-            <a:noFill/>
-          </p:spPr>
-          <p:txBody>
-            <a:bodyPr wrap="square" rtlCol="0">
-              <a:spAutoFit/>
-            </a:bodyPr>
-            <a:lstStyle/>
-            <a:p>
-              <a:r>
-                <a:rPr lang="en-US" sz="900" dirty="0"/>
-                <a:t>25</a:t>
-              </a:r>
-            </a:p>
-          </p:txBody>
-        </p:sp>
-        <p:sp>
-          <p:nvSpPr>
-            <p:cNvPr id="112" name="TextBox 111">
-              <a:extLst>
-                <a:ext uri="{FF2B5EF4-FFF2-40B4-BE49-F238E27FC236}">
-                  <a16:creationId xmlns:a16="http://schemas.microsoft.com/office/drawing/2014/main" id="{FCFE04EF-E73B-418B-80C6-1B98F9661E8B}"/>
-                </a:ext>
-              </a:extLst>
-            </p:cNvPr>
-            <p:cNvSpPr txBox="1"/>
-            <p:nvPr/>
-          </p:nvSpPr>
-          <p:spPr>
-            <a:xfrm>
-              <a:off x="8502046" y="6227288"/>
-              <a:ext cx="300039" cy="230832"/>
-            </a:xfrm>
-            <a:prstGeom prst="rect">
-              <a:avLst/>
-            </a:prstGeom>
-            <a:noFill/>
-          </p:spPr>
-          <p:txBody>
-            <a:bodyPr wrap="square" rtlCol="0">
-              <a:spAutoFit/>
-            </a:bodyPr>
-            <a:lstStyle/>
-            <a:p>
-              <a:r>
-                <a:rPr lang="en-US" sz="900" dirty="0"/>
-                <a:t>24</a:t>
-              </a:r>
-            </a:p>
-          </p:txBody>
-        </p:sp>
-        <p:sp>
-          <p:nvSpPr>
-            <p:cNvPr id="113" name="TextBox 112">
-              <a:extLst>
-                <a:ext uri="{FF2B5EF4-FFF2-40B4-BE49-F238E27FC236}">
-                  <a16:creationId xmlns:a16="http://schemas.microsoft.com/office/drawing/2014/main" id="{91EC1E2B-1F90-46A1-95AB-F4AE99D2357D}"/>
-                </a:ext>
-              </a:extLst>
-            </p:cNvPr>
-            <p:cNvSpPr txBox="1"/>
-            <p:nvPr/>
-          </p:nvSpPr>
-          <p:spPr>
-            <a:xfrm>
-              <a:off x="8227971" y="6227288"/>
-              <a:ext cx="300039" cy="230832"/>
-            </a:xfrm>
-            <a:prstGeom prst="rect">
-              <a:avLst/>
-            </a:prstGeom>
-            <a:noFill/>
-          </p:spPr>
-          <p:txBody>
-            <a:bodyPr wrap="square" rtlCol="0">
-              <a:spAutoFit/>
-            </a:bodyPr>
-            <a:lstStyle/>
-            <a:p>
-              <a:r>
-                <a:rPr lang="en-US" sz="900" dirty="0"/>
-                <a:t>23</a:t>
-              </a:r>
-            </a:p>
-          </p:txBody>
-        </p:sp>
-        <p:sp>
-          <p:nvSpPr>
-            <p:cNvPr id="114" name="TextBox 113">
-              <a:extLst>
-                <a:ext uri="{FF2B5EF4-FFF2-40B4-BE49-F238E27FC236}">
-                  <a16:creationId xmlns:a16="http://schemas.microsoft.com/office/drawing/2014/main" id="{6D26AD96-3F2A-4399-9545-0BAAE1197A97}"/>
-                </a:ext>
-              </a:extLst>
-            </p:cNvPr>
-            <p:cNvSpPr txBox="1"/>
-            <p:nvPr/>
-          </p:nvSpPr>
-          <p:spPr>
-            <a:xfrm>
-              <a:off x="9050196" y="6227288"/>
-              <a:ext cx="300039" cy="230832"/>
-            </a:xfrm>
-            <a:prstGeom prst="rect">
-              <a:avLst/>
-            </a:prstGeom>
-            <a:noFill/>
-          </p:spPr>
-          <p:txBody>
-            <a:bodyPr wrap="square" rtlCol="0">
-              <a:spAutoFit/>
-            </a:bodyPr>
-            <a:lstStyle/>
-            <a:p>
-              <a:r>
-                <a:rPr lang="en-US" sz="900" dirty="0"/>
-                <a:t>26</a:t>
-              </a:r>
-            </a:p>
-          </p:txBody>
-        </p:sp>
-        <p:sp>
-          <p:nvSpPr>
-            <p:cNvPr id="115" name="TextBox 114">
-              <a:extLst>
-                <a:ext uri="{FF2B5EF4-FFF2-40B4-BE49-F238E27FC236}">
-                  <a16:creationId xmlns:a16="http://schemas.microsoft.com/office/drawing/2014/main" id="{4F4834E6-60B1-41EA-B839-4E87B048F5C9}"/>
-                </a:ext>
-              </a:extLst>
-            </p:cNvPr>
-            <p:cNvSpPr txBox="1"/>
-            <p:nvPr/>
-          </p:nvSpPr>
-          <p:spPr>
-            <a:xfrm>
-              <a:off x="9324272" y="6227288"/>
-              <a:ext cx="300039" cy="230832"/>
-            </a:xfrm>
-            <a:prstGeom prst="rect">
-              <a:avLst/>
-            </a:prstGeom>
-            <a:noFill/>
-          </p:spPr>
-          <p:txBody>
-            <a:bodyPr wrap="square" rtlCol="0">
-              <a:spAutoFit/>
-            </a:bodyPr>
-            <a:lstStyle/>
-            <a:p>
-              <a:r>
-                <a:rPr lang="en-US" sz="900" dirty="0"/>
-                <a:t>27</a:t>
-              </a:r>
-            </a:p>
-          </p:txBody>
-        </p:sp>
-      </p:grpSp>
-      <p:sp>
-        <p:nvSpPr>
-          <p:cNvPr id="120" name="Speech Bubble: Rectangle 119">
-            <a:extLst>
-              <a:ext uri="{FF2B5EF4-FFF2-40B4-BE49-F238E27FC236}">
-                <a16:creationId xmlns:a16="http://schemas.microsoft.com/office/drawing/2014/main" id="{F9424D07-6CB4-4661-931D-DD4E6D9AAA32}"/>
-              </a:ext>
-            </a:extLst>
-          </p:cNvPr>
-          <p:cNvSpPr/>
-          <p:nvPr/>
-        </p:nvSpPr>
-        <p:spPr>
-          <a:xfrm>
-            <a:off x="3642131" y="282102"/>
+            <a:off x="5263541" y="451784"/>
             <a:ext cx="569201" cy="624219"/>
           </a:xfrm>
           <a:prstGeom prst="wedgeRectCallout">
@@ -9250,7 +6129,7 @@
         </p:nvSpPr>
         <p:spPr>
           <a:xfrm>
-            <a:off x="5576388" y="282101"/>
+            <a:off x="7197798" y="451783"/>
             <a:ext cx="569201" cy="624219"/>
           </a:xfrm>
           <a:prstGeom prst="wedgeRectCallout">
@@ -9314,7 +6193,7 @@
         </p:nvSpPr>
         <p:spPr>
           <a:xfrm>
-            <a:off x="7502271" y="282100"/>
+            <a:off x="9123681" y="451782"/>
             <a:ext cx="569201" cy="624219"/>
           </a:xfrm>
           <a:prstGeom prst="wedgeRectCallout">
@@ -9378,7 +6257,7 @@
         </p:nvSpPr>
         <p:spPr>
           <a:xfrm>
-            <a:off x="1090291" y="1061940"/>
+            <a:off x="2711701" y="1231622"/>
             <a:ext cx="274320" cy="274320"/>
           </a:xfrm>
           <a:prstGeom prst="ellipse">
@@ -9437,7 +6316,7 @@
         </p:nvSpPr>
         <p:spPr>
           <a:xfrm>
-            <a:off x="1090291" y="1536971"/>
+            <a:off x="2711701" y="1706653"/>
             <a:ext cx="274320" cy="274320"/>
           </a:xfrm>
           <a:prstGeom prst="ellipse">
@@ -9496,7 +6375,7 @@
         </p:nvSpPr>
         <p:spPr>
           <a:xfrm>
-            <a:off x="1090291" y="1994171"/>
+            <a:off x="2711701" y="2163853"/>
             <a:ext cx="274320" cy="274320"/>
           </a:xfrm>
           <a:prstGeom prst="ellipse">
@@ -9538,6 +6417,1025 @@
               </a:rPr>
               <a:t>3</a:t>
             </a:r>
+          </a:p>
+        </p:txBody>
+      </p:sp>
+      <p:cxnSp>
+        <p:nvCxnSpPr>
+          <p:cNvPr id="38" name="Straight Connector 37">
+            <a:extLst>
+              <a:ext uri="{FF2B5EF4-FFF2-40B4-BE49-F238E27FC236}">
+                <a16:creationId xmlns:a16="http://schemas.microsoft.com/office/drawing/2014/main" id="{0D546DBF-296E-420B-80FD-66E49F1B6E90}"/>
+              </a:ext>
+            </a:extLst>
+          </p:cNvPr>
+          <p:cNvCxnSpPr>
+            <a:cxnSpLocks/>
+          </p:cNvCxnSpPr>
+          <p:nvPr/>
+        </p:nvCxnSpPr>
+        <p:spPr>
+          <a:xfrm>
+            <a:off x="5421940" y="1154030"/>
+            <a:ext cx="627" cy="4712899"/>
+          </a:xfrm>
+          <a:prstGeom prst="line">
+            <a:avLst/>
+          </a:prstGeom>
+          <a:ln w="3175">
+            <a:solidFill>
+              <a:schemeClr val="bg1">
+                <a:lumMod val="65000"/>
+              </a:schemeClr>
+            </a:solidFill>
+            <a:prstDash val="sysDash"/>
+          </a:ln>
+        </p:spPr>
+        <p:style>
+          <a:lnRef idx="1">
+            <a:schemeClr val="accent1"/>
+          </a:lnRef>
+          <a:fillRef idx="0">
+            <a:schemeClr val="accent1"/>
+          </a:fillRef>
+          <a:effectRef idx="0">
+            <a:schemeClr val="accent1"/>
+          </a:effectRef>
+          <a:fontRef idx="minor">
+            <a:schemeClr val="tx1"/>
+          </a:fontRef>
+        </p:style>
+      </p:cxnSp>
+      <p:cxnSp>
+        <p:nvCxnSpPr>
+          <p:cNvPr id="117" name="Straight Connector 116">
+            <a:extLst>
+              <a:ext uri="{FF2B5EF4-FFF2-40B4-BE49-F238E27FC236}">
+                <a16:creationId xmlns:a16="http://schemas.microsoft.com/office/drawing/2014/main" id="{C593B779-DA70-468B-9D15-8940BB52D3C2}"/>
+              </a:ext>
+            </a:extLst>
+          </p:cNvPr>
+          <p:cNvCxnSpPr>
+            <a:cxnSpLocks/>
+          </p:cNvCxnSpPr>
+          <p:nvPr/>
+        </p:nvCxnSpPr>
+        <p:spPr>
+          <a:xfrm>
+            <a:off x="7363046" y="1173254"/>
+            <a:ext cx="1398" cy="4693675"/>
+          </a:xfrm>
+          <a:prstGeom prst="line">
+            <a:avLst/>
+          </a:prstGeom>
+          <a:ln w="3175">
+            <a:solidFill>
+              <a:schemeClr val="bg1">
+                <a:lumMod val="65000"/>
+              </a:schemeClr>
+            </a:solidFill>
+            <a:prstDash val="sysDash"/>
+          </a:ln>
+        </p:spPr>
+        <p:style>
+          <a:lnRef idx="1">
+            <a:schemeClr val="accent1"/>
+          </a:lnRef>
+          <a:fillRef idx="0">
+            <a:schemeClr val="accent1"/>
+          </a:fillRef>
+          <a:effectRef idx="0">
+            <a:schemeClr val="accent1"/>
+          </a:effectRef>
+          <a:fontRef idx="minor">
+            <a:schemeClr val="tx1"/>
+          </a:fontRef>
+        </p:style>
+      </p:cxnSp>
+      <p:cxnSp>
+        <p:nvCxnSpPr>
+          <p:cNvPr id="119" name="Straight Connector 118">
+            <a:extLst>
+              <a:ext uri="{FF2B5EF4-FFF2-40B4-BE49-F238E27FC236}">
+                <a16:creationId xmlns:a16="http://schemas.microsoft.com/office/drawing/2014/main" id="{901F7230-B5BD-48CC-B977-214220F27B3D}"/>
+              </a:ext>
+            </a:extLst>
+          </p:cNvPr>
+          <p:cNvCxnSpPr>
+            <a:cxnSpLocks/>
+          </p:cNvCxnSpPr>
+          <p:nvPr/>
+        </p:nvCxnSpPr>
+        <p:spPr>
+          <a:xfrm flipH="1">
+            <a:off x="9294277" y="1146410"/>
+            <a:ext cx="11446" cy="4720519"/>
+          </a:xfrm>
+          <a:prstGeom prst="line">
+            <a:avLst/>
+          </a:prstGeom>
+          <a:ln w="3175">
+            <a:solidFill>
+              <a:schemeClr val="bg1">
+                <a:lumMod val="65000"/>
+              </a:schemeClr>
+            </a:solidFill>
+            <a:prstDash val="sysDash"/>
+          </a:ln>
+        </p:spPr>
+        <p:style>
+          <a:lnRef idx="1">
+            <a:schemeClr val="accent1"/>
+          </a:lnRef>
+          <a:fillRef idx="0">
+            <a:schemeClr val="accent1"/>
+          </a:fillRef>
+          <a:effectRef idx="0">
+            <a:schemeClr val="accent1"/>
+          </a:effectRef>
+          <a:fontRef idx="minor">
+            <a:schemeClr val="tx1"/>
+          </a:fontRef>
+        </p:style>
+      </p:cxnSp>
+      <p:graphicFrame>
+        <p:nvGraphicFramePr>
+          <p:cNvPr id="77" name="Table 76">
+            <a:extLst>
+              <a:ext uri="{FF2B5EF4-FFF2-40B4-BE49-F238E27FC236}">
+                <a16:creationId xmlns:a16="http://schemas.microsoft.com/office/drawing/2014/main" id="{5B5A2DA8-D2BC-42C6-B7A6-FE788D0513B1}"/>
+              </a:ext>
+            </a:extLst>
+          </p:cNvPr>
+          <p:cNvGraphicFramePr>
+            <a:graphicFrameLocks noGrp="1"/>
+          </p:cNvGraphicFramePr>
+          <p:nvPr>
+            <p:extLst>
+              <p:ext uri="{D42A27DB-BD31-4B8C-83A1-F6EECF244321}">
+                <p14:modId xmlns:p14="http://schemas.microsoft.com/office/powerpoint/2010/main" val="3684008963"/>
+              </p:ext>
+            </p:extLst>
+          </p:nvPr>
+        </p:nvGraphicFramePr>
+        <p:xfrm>
+          <a:off x="332034" y="5623089"/>
+          <a:ext cx="11434046" cy="243840"/>
+        </p:xfrm>
+        <a:graphic>
+          <a:graphicData uri="http://schemas.openxmlformats.org/drawingml/2006/table">
+            <a:tbl>
+              <a:tblPr firstRow="1" bandRow="1">
+                <a:tableStyleId>{5C22544A-7EE6-4342-B048-85BDC9FD1C3A}</a:tableStyleId>
+              </a:tblPr>
+              <a:tblGrid>
+                <a:gridCol w="5088378">
+                  <a:extLst>
+                    <a:ext uri="{9D8B030D-6E8A-4147-A177-3AD203B41FA5}">
+                      <a16:colId xmlns:a16="http://schemas.microsoft.com/office/drawing/2014/main" val="3934216712"/>
+                    </a:ext>
+                  </a:extLst>
+                </a:gridCol>
+                <a:gridCol w="1932495">
+                  <a:extLst>
+                    <a:ext uri="{9D8B030D-6E8A-4147-A177-3AD203B41FA5}">
+                      <a16:colId xmlns:a16="http://schemas.microsoft.com/office/drawing/2014/main" val="3398057071"/>
+                    </a:ext>
+                  </a:extLst>
+                </a:gridCol>
+                <a:gridCol w="1932495">
+                  <a:extLst>
+                    <a:ext uri="{9D8B030D-6E8A-4147-A177-3AD203B41FA5}">
+                      <a16:colId xmlns:a16="http://schemas.microsoft.com/office/drawing/2014/main" val="1931405690"/>
+                    </a:ext>
+                  </a:extLst>
+                </a:gridCol>
+                <a:gridCol w="1081780">
+                  <a:extLst>
+                    <a:ext uri="{9D8B030D-6E8A-4147-A177-3AD203B41FA5}">
+                      <a16:colId xmlns:a16="http://schemas.microsoft.com/office/drawing/2014/main" val="1155177157"/>
+                    </a:ext>
+                  </a:extLst>
+                </a:gridCol>
+                <a:gridCol w="348113">
+                  <a:extLst>
+                    <a:ext uri="{9D8B030D-6E8A-4147-A177-3AD203B41FA5}">
+                      <a16:colId xmlns:a16="http://schemas.microsoft.com/office/drawing/2014/main" val="393428427"/>
+                    </a:ext>
+                  </a:extLst>
+                </a:gridCol>
+                <a:gridCol w="1050785">
+                  <a:extLst>
+                    <a:ext uri="{9D8B030D-6E8A-4147-A177-3AD203B41FA5}">
+                      <a16:colId xmlns:a16="http://schemas.microsoft.com/office/drawing/2014/main" val="2692366409"/>
+                    </a:ext>
+                  </a:extLst>
+                </a:gridCol>
+              </a:tblGrid>
+              <a:tr h="208000">
+                <a:tc>
+                  <a:txBody>
+                    <a:bodyPr/>
+                    <a:lstStyle/>
+                    <a:p>
+                      <a:pPr marL="0" marR="0" lvl="0" indent="0" algn="r" defTabSz="914400" rtl="0" eaLnBrk="1" fontAlgn="auto" latinLnBrk="0" hangingPunct="1">
+                        <a:lnSpc>
+                          <a:spcPct val="100000"/>
+                        </a:lnSpc>
+                        <a:spcBef>
+                          <a:spcPts val="0"/>
+                        </a:spcBef>
+                        <a:spcAft>
+                          <a:spcPts val="0"/>
+                        </a:spcAft>
+                        <a:buClrTx/>
+                        <a:buSzTx/>
+                        <a:buFontTx/>
+                        <a:buNone/>
+                        <a:tabLst/>
+                        <a:defRPr/>
+                      </a:pPr>
+                      <a:r>
+                        <a:rPr lang="en-US" sz="1000" b="0" kern="1200" dirty="0">
+                          <a:solidFill>
+                            <a:schemeClr val="tx1"/>
+                          </a:solidFill>
+                          <a:latin typeface="+mn-lt"/>
+                          <a:ea typeface="+mn-ea"/>
+                          <a:cs typeface="+mn-cs"/>
+                        </a:rPr>
+                        <a:t>5 minute</a:t>
+                      </a:r>
+                    </a:p>
+                  </a:txBody>
+                  <a:tcPr>
+                    <a:lnL w="6350" cap="flat" cmpd="sng" algn="ctr">
+                      <a:solidFill>
+                        <a:schemeClr val="tx1"/>
+                      </a:solidFill>
+                      <a:prstDash val="solid"/>
+                      <a:round/>
+                      <a:headEnd type="none" w="med" len="med"/>
+                      <a:tailEnd type="none" w="med" len="med"/>
+                    </a:lnL>
+                    <a:lnR w="6350" cap="flat" cmpd="sng" algn="ctr">
+                      <a:solidFill>
+                        <a:schemeClr val="tx1"/>
+                      </a:solidFill>
+                      <a:prstDash val="solid"/>
+                      <a:round/>
+                      <a:headEnd type="none" w="med" len="med"/>
+                      <a:tailEnd type="none" w="med" len="med"/>
+                    </a:lnR>
+                    <a:lnT w="6350" cap="flat" cmpd="sng" algn="ctr">
+                      <a:solidFill>
+                        <a:schemeClr val="tx1"/>
+                      </a:solidFill>
+                      <a:prstDash val="solid"/>
+                      <a:round/>
+                      <a:headEnd type="none" w="med" len="med"/>
+                      <a:tailEnd type="none" w="med" len="med"/>
+                    </a:lnT>
+                    <a:lnB w="6350" cap="flat" cmpd="sng" algn="ctr">
+                      <a:solidFill>
+                        <a:schemeClr val="tx1"/>
+                      </a:solidFill>
+                      <a:prstDash val="solid"/>
+                      <a:round/>
+                      <a:headEnd type="none" w="med" len="med"/>
+                      <a:tailEnd type="none" w="med" len="med"/>
+                    </a:lnB>
+                    <a:solidFill>
+                      <a:schemeClr val="bg1">
+                        <a:lumMod val="85000"/>
+                        <a:alpha val="82000"/>
+                      </a:schemeClr>
+                    </a:solidFill>
+                  </a:tcPr>
+                </a:tc>
+                <a:tc>
+                  <a:txBody>
+                    <a:bodyPr/>
+                    <a:lstStyle/>
+                    <a:p>
+                      <a:pPr marL="0" marR="0" lvl="0" indent="0" algn="r" defTabSz="914400" rtl="0" eaLnBrk="1" fontAlgn="auto" latinLnBrk="0" hangingPunct="1">
+                        <a:lnSpc>
+                          <a:spcPct val="100000"/>
+                        </a:lnSpc>
+                        <a:spcBef>
+                          <a:spcPts val="0"/>
+                        </a:spcBef>
+                        <a:spcAft>
+                          <a:spcPts val="0"/>
+                        </a:spcAft>
+                        <a:buClrTx/>
+                        <a:buSzTx/>
+                        <a:buFontTx/>
+                        <a:buNone/>
+                        <a:tabLst/>
+                        <a:defRPr/>
+                      </a:pPr>
+                      <a:r>
+                        <a:rPr lang="en-US" sz="1000" b="0" kern="1200" dirty="0">
+                          <a:solidFill>
+                            <a:schemeClr val="tx1"/>
+                          </a:solidFill>
+                          <a:latin typeface="+mn-lt"/>
+                          <a:ea typeface="+mn-ea"/>
+                          <a:cs typeface="+mn-cs"/>
+                        </a:rPr>
+                        <a:t>(5+X) minutes</a:t>
+                      </a:r>
+                    </a:p>
+                  </a:txBody>
+                  <a:tcPr>
+                    <a:lnL w="6350" cap="flat" cmpd="sng" algn="ctr">
+                      <a:solidFill>
+                        <a:schemeClr val="tx1"/>
+                      </a:solidFill>
+                      <a:prstDash val="solid"/>
+                      <a:round/>
+                      <a:headEnd type="none" w="med" len="med"/>
+                      <a:tailEnd type="none" w="med" len="med"/>
+                    </a:lnL>
+                    <a:lnR w="6350" cap="flat" cmpd="sng" algn="ctr">
+                      <a:solidFill>
+                        <a:schemeClr val="tx1"/>
+                      </a:solidFill>
+                      <a:prstDash val="solid"/>
+                      <a:round/>
+                      <a:headEnd type="none" w="med" len="med"/>
+                      <a:tailEnd type="none" w="med" len="med"/>
+                    </a:lnR>
+                    <a:lnT w="6350" cap="flat" cmpd="sng" algn="ctr">
+                      <a:solidFill>
+                        <a:schemeClr val="tx1"/>
+                      </a:solidFill>
+                      <a:prstDash val="solid"/>
+                      <a:round/>
+                      <a:headEnd type="none" w="med" len="med"/>
+                      <a:tailEnd type="none" w="med" len="med"/>
+                    </a:lnT>
+                    <a:lnB w="6350" cap="flat" cmpd="sng" algn="ctr">
+                      <a:solidFill>
+                        <a:schemeClr val="tx1"/>
+                      </a:solidFill>
+                      <a:prstDash val="solid"/>
+                      <a:round/>
+                      <a:headEnd type="none" w="med" len="med"/>
+                      <a:tailEnd type="none" w="med" len="med"/>
+                    </a:lnB>
+                    <a:solidFill>
+                      <a:schemeClr val="bg1">
+                        <a:lumMod val="85000"/>
+                        <a:alpha val="82000"/>
+                      </a:schemeClr>
+                    </a:solidFill>
+                  </a:tcPr>
+                </a:tc>
+                <a:tc>
+                  <a:txBody>
+                    <a:bodyPr/>
+                    <a:lstStyle/>
+                    <a:p>
+                      <a:pPr marL="0" marR="0" lvl="0" indent="0" algn="r" defTabSz="914400" rtl="0" eaLnBrk="1" fontAlgn="auto" latinLnBrk="0" hangingPunct="1">
+                        <a:lnSpc>
+                          <a:spcPct val="100000"/>
+                        </a:lnSpc>
+                        <a:spcBef>
+                          <a:spcPts val="0"/>
+                        </a:spcBef>
+                        <a:spcAft>
+                          <a:spcPts val="0"/>
+                        </a:spcAft>
+                        <a:buClrTx/>
+                        <a:buSzTx/>
+                        <a:buFontTx/>
+                        <a:buNone/>
+                        <a:tabLst/>
+                        <a:defRPr/>
+                      </a:pPr>
+                      <a:r>
+                        <a:rPr lang="en-US" sz="1000" b="0" kern="1200" dirty="0">
+                          <a:solidFill>
+                            <a:schemeClr val="tx1"/>
+                          </a:solidFill>
+                          <a:latin typeface="+mn-lt"/>
+                          <a:ea typeface="+mn-ea"/>
+                          <a:cs typeface="+mn-cs"/>
+                        </a:rPr>
+                        <a:t>(5+2X) minutes</a:t>
+                      </a:r>
+                    </a:p>
+                  </a:txBody>
+                  <a:tcPr>
+                    <a:lnL w="6350" cap="flat" cmpd="sng" algn="ctr">
+                      <a:solidFill>
+                        <a:schemeClr val="tx1"/>
+                      </a:solidFill>
+                      <a:prstDash val="solid"/>
+                      <a:round/>
+                      <a:headEnd type="none" w="med" len="med"/>
+                      <a:tailEnd type="none" w="med" len="med"/>
+                    </a:lnL>
+                    <a:lnR w="6350" cap="flat" cmpd="sng" algn="ctr">
+                      <a:solidFill>
+                        <a:schemeClr val="tx1"/>
+                      </a:solidFill>
+                      <a:prstDash val="solid"/>
+                      <a:round/>
+                      <a:headEnd type="none" w="med" len="med"/>
+                      <a:tailEnd type="none" w="med" len="med"/>
+                    </a:lnR>
+                    <a:lnT w="6350" cap="flat" cmpd="sng" algn="ctr">
+                      <a:solidFill>
+                        <a:schemeClr val="tx1"/>
+                      </a:solidFill>
+                      <a:prstDash val="solid"/>
+                      <a:round/>
+                      <a:headEnd type="none" w="med" len="med"/>
+                      <a:tailEnd type="none" w="med" len="med"/>
+                    </a:lnT>
+                    <a:lnB w="6350" cap="flat" cmpd="sng" algn="ctr">
+                      <a:solidFill>
+                        <a:schemeClr val="tx1"/>
+                      </a:solidFill>
+                      <a:prstDash val="solid"/>
+                      <a:round/>
+                      <a:headEnd type="none" w="med" len="med"/>
+                      <a:tailEnd type="none" w="med" len="med"/>
+                    </a:lnB>
+                    <a:solidFill>
+                      <a:schemeClr val="bg1">
+                        <a:lumMod val="85000"/>
+                        <a:alpha val="82000"/>
+                      </a:schemeClr>
+                    </a:solidFill>
+                  </a:tcPr>
+                </a:tc>
+                <a:tc>
+                  <a:txBody>
+                    <a:bodyPr/>
+                    <a:lstStyle/>
+                    <a:p>
+                      <a:pPr marL="0" marR="0" lvl="0" indent="0" algn="l" defTabSz="914400" rtl="0" eaLnBrk="1" fontAlgn="auto" latinLnBrk="0" hangingPunct="1">
+                        <a:lnSpc>
+                          <a:spcPct val="100000"/>
+                        </a:lnSpc>
+                        <a:spcBef>
+                          <a:spcPts val="0"/>
+                        </a:spcBef>
+                        <a:spcAft>
+                          <a:spcPts val="0"/>
+                        </a:spcAft>
+                        <a:buClrTx/>
+                        <a:buSzTx/>
+                        <a:buFontTx/>
+                        <a:buNone/>
+                        <a:tabLst/>
+                        <a:defRPr/>
+                      </a:pPr>
+                      <a:endParaRPr lang="en-US" sz="1000" b="0" kern="1200" dirty="0">
+                        <a:solidFill>
+                          <a:schemeClr val="tx1"/>
+                        </a:solidFill>
+                        <a:latin typeface="+mn-lt"/>
+                        <a:ea typeface="+mn-ea"/>
+                        <a:cs typeface="+mn-cs"/>
+                      </a:endParaRPr>
+                    </a:p>
+                  </a:txBody>
+                  <a:tcPr>
+                    <a:lnL w="6350" cap="flat" cmpd="sng" algn="ctr">
+                      <a:solidFill>
+                        <a:schemeClr val="tx1"/>
+                      </a:solidFill>
+                      <a:prstDash val="solid"/>
+                      <a:round/>
+                      <a:headEnd type="none" w="med" len="med"/>
+                      <a:tailEnd type="none" w="med" len="med"/>
+                    </a:lnL>
+                    <a:lnR w="6350" cap="flat" cmpd="sng" algn="ctr">
+                      <a:solidFill>
+                        <a:schemeClr val="tx1"/>
+                      </a:solidFill>
+                      <a:prstDash val="solid"/>
+                      <a:round/>
+                      <a:headEnd type="none" w="med" len="med"/>
+                      <a:tailEnd type="none" w="med" len="med"/>
+                    </a:lnR>
+                    <a:lnT w="6350" cap="flat" cmpd="sng" algn="ctr">
+                      <a:solidFill>
+                        <a:schemeClr val="tx1"/>
+                      </a:solidFill>
+                      <a:prstDash val="solid"/>
+                      <a:round/>
+                      <a:headEnd type="none" w="med" len="med"/>
+                      <a:tailEnd type="none" w="med" len="med"/>
+                    </a:lnT>
+                    <a:lnB w="6350" cap="flat" cmpd="sng" algn="ctr">
+                      <a:solidFill>
+                        <a:schemeClr val="tx1"/>
+                      </a:solidFill>
+                      <a:prstDash val="solid"/>
+                      <a:round/>
+                      <a:headEnd type="none" w="med" len="med"/>
+                      <a:tailEnd type="none" w="med" len="med"/>
+                    </a:lnB>
+                    <a:solidFill>
+                      <a:schemeClr val="bg1">
+                        <a:lumMod val="85000"/>
+                        <a:alpha val="82000"/>
+                      </a:schemeClr>
+                    </a:solidFill>
+                  </a:tcPr>
+                </a:tc>
+                <a:tc>
+                  <a:txBody>
+                    <a:bodyPr/>
+                    <a:lstStyle/>
+                    <a:p>
+                      <a:pPr marL="0" marR="0" lvl="0" indent="0" algn="l" defTabSz="914400" rtl="0" eaLnBrk="1" fontAlgn="auto" latinLnBrk="0" hangingPunct="1">
+                        <a:lnSpc>
+                          <a:spcPct val="100000"/>
+                        </a:lnSpc>
+                        <a:spcBef>
+                          <a:spcPts val="0"/>
+                        </a:spcBef>
+                        <a:spcAft>
+                          <a:spcPts val="0"/>
+                        </a:spcAft>
+                        <a:buClrTx/>
+                        <a:buSzTx/>
+                        <a:buFontTx/>
+                        <a:buNone/>
+                        <a:tabLst/>
+                        <a:defRPr/>
+                      </a:pPr>
+                      <a:endParaRPr lang="en-US" sz="1000" b="0" kern="1200" dirty="0">
+                        <a:solidFill>
+                          <a:schemeClr val="tx1"/>
+                        </a:solidFill>
+                        <a:latin typeface="+mn-lt"/>
+                        <a:ea typeface="+mn-ea"/>
+                        <a:cs typeface="+mn-cs"/>
+                      </a:endParaRPr>
+                    </a:p>
+                  </a:txBody>
+                  <a:tcPr>
+                    <a:lnL w="6350" cap="flat" cmpd="sng" algn="ctr">
+                      <a:solidFill>
+                        <a:schemeClr val="tx1"/>
+                      </a:solidFill>
+                      <a:prstDash val="solid"/>
+                      <a:round/>
+                      <a:headEnd type="none" w="med" len="med"/>
+                      <a:tailEnd type="none" w="med" len="med"/>
+                    </a:lnL>
+                    <a:lnR w="6350" cap="flat" cmpd="sng" algn="ctr">
+                      <a:solidFill>
+                        <a:schemeClr val="tx1"/>
+                      </a:solidFill>
+                      <a:prstDash val="solid"/>
+                      <a:round/>
+                      <a:headEnd type="none" w="med" len="med"/>
+                      <a:tailEnd type="none" w="med" len="med"/>
+                    </a:lnR>
+                    <a:lnT w="6350" cap="flat" cmpd="sng" algn="ctr">
+                      <a:solidFill>
+                        <a:schemeClr val="tx1"/>
+                      </a:solidFill>
+                      <a:prstDash val="solid"/>
+                      <a:round/>
+                      <a:headEnd type="none" w="med" len="med"/>
+                      <a:tailEnd type="none" w="med" len="med"/>
+                    </a:lnT>
+                    <a:lnB w="6350" cap="flat" cmpd="sng" algn="ctr">
+                      <a:solidFill>
+                        <a:schemeClr val="tx1"/>
+                      </a:solidFill>
+                      <a:prstDash val="solid"/>
+                      <a:round/>
+                      <a:headEnd type="none" w="med" len="med"/>
+                      <a:tailEnd type="none" w="med" len="med"/>
+                    </a:lnB>
+                    <a:solidFill>
+                      <a:schemeClr val="bg1">
+                        <a:lumMod val="85000"/>
+                        <a:alpha val="82000"/>
+                      </a:schemeClr>
+                    </a:solidFill>
+                  </a:tcPr>
+                </a:tc>
+                <a:tc>
+                  <a:txBody>
+                    <a:bodyPr/>
+                    <a:lstStyle/>
+                    <a:p>
+                      <a:pPr marL="0" marR="0" lvl="0" indent="0" algn="l" defTabSz="914400" rtl="0" eaLnBrk="1" fontAlgn="auto" latinLnBrk="0" hangingPunct="1">
+                        <a:lnSpc>
+                          <a:spcPct val="100000"/>
+                        </a:lnSpc>
+                        <a:spcBef>
+                          <a:spcPts val="0"/>
+                        </a:spcBef>
+                        <a:spcAft>
+                          <a:spcPts val="0"/>
+                        </a:spcAft>
+                        <a:buClrTx/>
+                        <a:buSzTx/>
+                        <a:buFontTx/>
+                        <a:buNone/>
+                        <a:tabLst/>
+                        <a:defRPr/>
+                      </a:pPr>
+                      <a:endParaRPr lang="en-US" sz="1000" b="0" kern="1200" dirty="0">
+                        <a:solidFill>
+                          <a:schemeClr val="tx1"/>
+                        </a:solidFill>
+                        <a:latin typeface="+mn-lt"/>
+                        <a:ea typeface="+mn-ea"/>
+                        <a:cs typeface="+mn-cs"/>
+                      </a:endParaRPr>
+                    </a:p>
+                  </a:txBody>
+                  <a:tcPr>
+                    <a:lnL w="6350" cap="flat" cmpd="sng" algn="ctr">
+                      <a:solidFill>
+                        <a:schemeClr val="tx1"/>
+                      </a:solidFill>
+                      <a:prstDash val="solid"/>
+                      <a:round/>
+                      <a:headEnd type="none" w="med" len="med"/>
+                      <a:tailEnd type="none" w="med" len="med"/>
+                    </a:lnL>
+                    <a:lnR w="6350" cap="flat" cmpd="sng" algn="ctr">
+                      <a:solidFill>
+                        <a:schemeClr val="tx1"/>
+                      </a:solidFill>
+                      <a:prstDash val="solid"/>
+                      <a:round/>
+                      <a:headEnd type="none" w="med" len="med"/>
+                      <a:tailEnd type="none" w="med" len="med"/>
+                    </a:lnR>
+                    <a:lnT w="6350" cap="flat" cmpd="sng" algn="ctr">
+                      <a:solidFill>
+                        <a:schemeClr val="tx1"/>
+                      </a:solidFill>
+                      <a:prstDash val="solid"/>
+                      <a:round/>
+                      <a:headEnd type="none" w="med" len="med"/>
+                      <a:tailEnd type="none" w="med" len="med"/>
+                    </a:lnT>
+                    <a:lnB w="6350" cap="flat" cmpd="sng" algn="ctr">
+                      <a:solidFill>
+                        <a:schemeClr val="tx1"/>
+                      </a:solidFill>
+                      <a:prstDash val="solid"/>
+                      <a:round/>
+                      <a:headEnd type="none" w="med" len="med"/>
+                      <a:tailEnd type="none" w="med" len="med"/>
+                    </a:lnB>
+                    <a:solidFill>
+                      <a:schemeClr val="bg1">
+                        <a:lumMod val="85000"/>
+                        <a:alpha val="82000"/>
+                      </a:schemeClr>
+                    </a:solidFill>
+                  </a:tcPr>
+                </a:tc>
+                <a:extLst>
+                  <a:ext uri="{0D108BD9-81ED-4DB2-BD59-A6C34878D82A}">
+                    <a16:rowId xmlns:a16="http://schemas.microsoft.com/office/drawing/2014/main" val="1299387027"/>
+                  </a:ext>
+                </a:extLst>
+              </a:tr>
+            </a:tbl>
+          </a:graphicData>
+        </a:graphic>
+      </p:graphicFrame>
+      <p:cxnSp>
+        <p:nvCxnSpPr>
+          <p:cNvPr id="129" name="Straight Connector 128">
+            <a:extLst>
+              <a:ext uri="{FF2B5EF4-FFF2-40B4-BE49-F238E27FC236}">
+                <a16:creationId xmlns:a16="http://schemas.microsoft.com/office/drawing/2014/main" id="{12E867F9-D310-4FEA-8D6C-BE77FFBA0D2A}"/>
+              </a:ext>
+            </a:extLst>
+          </p:cNvPr>
+          <p:cNvCxnSpPr>
+            <a:cxnSpLocks/>
+          </p:cNvCxnSpPr>
+          <p:nvPr/>
+        </p:nvCxnSpPr>
+        <p:spPr>
+          <a:xfrm>
+            <a:off x="3503231" y="3918722"/>
+            <a:ext cx="0" cy="2008269"/>
+          </a:xfrm>
+          <a:prstGeom prst="line">
+            <a:avLst/>
+          </a:prstGeom>
+          <a:ln w="3175">
+            <a:solidFill>
+              <a:schemeClr val="bg1">
+                <a:lumMod val="65000"/>
+              </a:schemeClr>
+            </a:solidFill>
+            <a:prstDash val="sysDash"/>
+          </a:ln>
+        </p:spPr>
+        <p:style>
+          <a:lnRef idx="1">
+            <a:schemeClr val="accent1"/>
+          </a:lnRef>
+          <a:fillRef idx="0">
+            <a:schemeClr val="accent1"/>
+          </a:fillRef>
+          <a:effectRef idx="0">
+            <a:schemeClr val="accent1"/>
+          </a:effectRef>
+          <a:fontRef idx="minor">
+            <a:schemeClr val="tx1"/>
+          </a:fontRef>
+        </p:style>
+      </p:cxnSp>
+      <p:sp>
+        <p:nvSpPr>
+          <p:cNvPr id="135" name="Rectangle: Rounded Corners 134">
+            <a:extLst>
+              <a:ext uri="{FF2B5EF4-FFF2-40B4-BE49-F238E27FC236}">
+                <a16:creationId xmlns:a16="http://schemas.microsoft.com/office/drawing/2014/main" id="{24BF3D9A-4B06-4FAF-B676-B30BD2907F3D}"/>
+              </a:ext>
+            </a:extLst>
+          </p:cNvPr>
+          <p:cNvSpPr/>
+          <p:nvPr/>
+        </p:nvSpPr>
+        <p:spPr>
+          <a:xfrm>
+            <a:off x="2849053" y="5455373"/>
+            <a:ext cx="6447480" cy="606676"/>
+          </a:xfrm>
+          <a:prstGeom prst="roundRect">
+            <a:avLst/>
+          </a:prstGeom>
+          <a:noFill/>
+        </p:spPr>
+        <p:style>
+          <a:lnRef idx="2">
+            <a:schemeClr val="accent1"/>
+          </a:lnRef>
+          <a:fillRef idx="1">
+            <a:schemeClr val="lt1"/>
+          </a:fillRef>
+          <a:effectRef idx="0">
+            <a:schemeClr val="accent1"/>
+          </a:effectRef>
+          <a:fontRef idx="minor">
+            <a:schemeClr val="dk1"/>
+          </a:fontRef>
+        </p:style>
+        <p:txBody>
+          <a:bodyPr rtlCol="0" anchor="ctr"/>
+          <a:lstStyle/>
+          <a:p>
+            <a:pPr algn="ctr"/>
+            <a:endParaRPr lang="en-US"/>
+          </a:p>
+        </p:txBody>
+      </p:sp>
+      <p:sp>
+        <p:nvSpPr>
+          <p:cNvPr id="136" name="Rectangle: Rounded Corners 135">
+            <a:extLst>
+              <a:ext uri="{FF2B5EF4-FFF2-40B4-BE49-F238E27FC236}">
+                <a16:creationId xmlns:a16="http://schemas.microsoft.com/office/drawing/2014/main" id="{B55607D5-DAF5-428A-AFA1-26AEC19C4AED}"/>
+              </a:ext>
+            </a:extLst>
+          </p:cNvPr>
+          <p:cNvSpPr/>
+          <p:nvPr/>
+        </p:nvSpPr>
+        <p:spPr>
+          <a:xfrm>
+            <a:off x="1578858" y="5461578"/>
+            <a:ext cx="5784188" cy="606676"/>
+          </a:xfrm>
+          <a:prstGeom prst="roundRect">
+            <a:avLst/>
+          </a:prstGeom>
+          <a:noFill/>
+        </p:spPr>
+        <p:style>
+          <a:lnRef idx="2">
+            <a:schemeClr val="accent1"/>
+          </a:lnRef>
+          <a:fillRef idx="1">
+            <a:schemeClr val="lt1"/>
+          </a:fillRef>
+          <a:effectRef idx="0">
+            <a:schemeClr val="accent1"/>
+          </a:effectRef>
+          <a:fontRef idx="minor">
+            <a:schemeClr val="dk1"/>
+          </a:fontRef>
+        </p:style>
+        <p:txBody>
+          <a:bodyPr rtlCol="0" anchor="ctr"/>
+          <a:lstStyle/>
+          <a:p>
+            <a:pPr algn="ctr"/>
+            <a:endParaRPr lang="en-US"/>
+          </a:p>
+        </p:txBody>
+      </p:sp>
+      <p:sp>
+        <p:nvSpPr>
+          <p:cNvPr id="137" name="Rectangle: Rounded Corners 136">
+            <a:extLst>
+              <a:ext uri="{FF2B5EF4-FFF2-40B4-BE49-F238E27FC236}">
+                <a16:creationId xmlns:a16="http://schemas.microsoft.com/office/drawing/2014/main" id="{36278291-8713-4EBF-84F4-A1F95A3E1492}"/>
+              </a:ext>
+            </a:extLst>
+          </p:cNvPr>
+          <p:cNvSpPr/>
+          <p:nvPr/>
+        </p:nvSpPr>
+        <p:spPr>
+          <a:xfrm>
+            <a:off x="320588" y="5454128"/>
+            <a:ext cx="5113328" cy="606676"/>
+          </a:xfrm>
+          <a:prstGeom prst="roundRect">
+            <a:avLst/>
+          </a:prstGeom>
+          <a:noFill/>
+        </p:spPr>
+        <p:style>
+          <a:lnRef idx="2">
+            <a:schemeClr val="accent1"/>
+          </a:lnRef>
+          <a:fillRef idx="1">
+            <a:schemeClr val="lt1"/>
+          </a:fillRef>
+          <a:effectRef idx="0">
+            <a:schemeClr val="accent1"/>
+          </a:effectRef>
+          <a:fontRef idx="minor">
+            <a:schemeClr val="dk1"/>
+          </a:fontRef>
+        </p:style>
+        <p:txBody>
+          <a:bodyPr rtlCol="0" anchor="ctr"/>
+          <a:lstStyle/>
+          <a:p>
+            <a:pPr algn="ctr"/>
+            <a:endParaRPr lang="en-US"/>
+          </a:p>
+        </p:txBody>
+      </p:sp>
+      <p:sp>
+        <p:nvSpPr>
+          <p:cNvPr id="149" name="Rectangle: Rounded Corners 148">
+            <a:extLst>
+              <a:ext uri="{FF2B5EF4-FFF2-40B4-BE49-F238E27FC236}">
+                <a16:creationId xmlns:a16="http://schemas.microsoft.com/office/drawing/2014/main" id="{00803913-34D5-4835-8BAC-94A30AF883E0}"/>
+              </a:ext>
+            </a:extLst>
+          </p:cNvPr>
+          <p:cNvSpPr/>
+          <p:nvPr/>
+        </p:nvSpPr>
+        <p:spPr>
+          <a:xfrm>
+            <a:off x="5433385" y="5466368"/>
+            <a:ext cx="4926673" cy="606676"/>
+          </a:xfrm>
+          <a:prstGeom prst="roundRect">
+            <a:avLst/>
+          </a:prstGeom>
+          <a:noFill/>
+          <a:ln w="6350">
+            <a:prstDash val="dash"/>
+          </a:ln>
+        </p:spPr>
+        <p:style>
+          <a:lnRef idx="2">
+            <a:schemeClr val="accent1"/>
+          </a:lnRef>
+          <a:fillRef idx="1">
+            <a:schemeClr val="lt1"/>
+          </a:fillRef>
+          <a:effectRef idx="0">
+            <a:schemeClr val="accent1"/>
+          </a:effectRef>
+          <a:fontRef idx="minor">
+            <a:schemeClr val="dk1"/>
+          </a:fontRef>
+        </p:style>
+        <p:txBody>
+          <a:bodyPr rtlCol="0" anchor="ctr"/>
+          <a:lstStyle/>
+          <a:p>
+            <a:pPr algn="ctr"/>
+            <a:endParaRPr lang="en-US"/>
+          </a:p>
+        </p:txBody>
+      </p:sp>
+      <p:sp>
+        <p:nvSpPr>
+          <p:cNvPr id="151" name="Rectangle: Rounded Corners 150">
+            <a:extLst>
+              <a:ext uri="{FF2B5EF4-FFF2-40B4-BE49-F238E27FC236}">
+                <a16:creationId xmlns:a16="http://schemas.microsoft.com/office/drawing/2014/main" id="{7248AC82-1417-4C4D-B049-7D54DEC153D0}"/>
+              </a:ext>
+            </a:extLst>
+          </p:cNvPr>
+          <p:cNvSpPr/>
+          <p:nvPr/>
+        </p:nvSpPr>
+        <p:spPr>
+          <a:xfrm>
+            <a:off x="7355010" y="5467940"/>
+            <a:ext cx="3356276" cy="606676"/>
+          </a:xfrm>
+          <a:prstGeom prst="roundRect">
+            <a:avLst/>
+          </a:prstGeom>
+          <a:noFill/>
+          <a:ln w="6350">
+            <a:prstDash val="dash"/>
+          </a:ln>
+        </p:spPr>
+        <p:style>
+          <a:lnRef idx="2">
+            <a:schemeClr val="accent1"/>
+          </a:lnRef>
+          <a:fillRef idx="1">
+            <a:schemeClr val="lt1"/>
+          </a:fillRef>
+          <a:effectRef idx="0">
+            <a:schemeClr val="accent1"/>
+          </a:effectRef>
+          <a:fontRef idx="minor">
+            <a:schemeClr val="dk1"/>
+          </a:fontRef>
+        </p:style>
+        <p:txBody>
+          <a:bodyPr rtlCol="0" anchor="ctr"/>
+          <a:lstStyle/>
+          <a:p>
+            <a:pPr algn="ctr"/>
+            <a:endParaRPr lang="en-US"/>
+          </a:p>
+        </p:txBody>
+      </p:sp>
+      <p:sp>
+        <p:nvSpPr>
+          <p:cNvPr id="152" name="Rectangle: Rounded Corners 151">
+            <a:extLst>
+              <a:ext uri="{FF2B5EF4-FFF2-40B4-BE49-F238E27FC236}">
+                <a16:creationId xmlns:a16="http://schemas.microsoft.com/office/drawing/2014/main" id="{CFE88C99-AD30-4954-89FC-C1250CE94265}"/>
+              </a:ext>
+            </a:extLst>
+          </p:cNvPr>
+          <p:cNvSpPr/>
+          <p:nvPr/>
+        </p:nvSpPr>
+        <p:spPr>
+          <a:xfrm>
+            <a:off x="9307351" y="5461578"/>
+            <a:ext cx="2458731" cy="606676"/>
+          </a:xfrm>
+          <a:prstGeom prst="roundRect">
+            <a:avLst/>
+          </a:prstGeom>
+          <a:noFill/>
+          <a:ln w="6350">
+            <a:prstDash val="dash"/>
+          </a:ln>
+        </p:spPr>
+        <p:style>
+          <a:lnRef idx="2">
+            <a:schemeClr val="accent1"/>
+          </a:lnRef>
+          <a:fillRef idx="1">
+            <a:schemeClr val="lt1"/>
+          </a:fillRef>
+          <a:effectRef idx="0">
+            <a:schemeClr val="accent1"/>
+          </a:effectRef>
+          <a:fontRef idx="minor">
+            <a:schemeClr val="dk1"/>
+          </a:fontRef>
+        </p:style>
+        <p:txBody>
+          <a:bodyPr rtlCol="0" anchor="ctr"/>
+          <a:lstStyle/>
+          <a:p>
+            <a:pPr algn="ctr"/>
+            <a:endParaRPr lang="en-US"/>
           </a:p>
         </p:txBody>
       </p:sp>
@@ -10142,4 +8040,270 @@
     </a:ext>
   </a:extLst>
 </a:theme>
+</file>
+
+<file path=customXml/item1.xml><?xml version="1.0" encoding="utf-8"?>
+<ct:contentTypeSchema xmlns:ct="http://schemas.microsoft.com/office/2006/metadata/contentType" xmlns:ma="http://schemas.microsoft.com/office/2006/metadata/properties/metaAttributes" ct:_="" ma:_="" ma:contentTypeName="Document" ma:contentTypeID="0x01010036A7D3740713BD419A15FB322AEBC370" ma:contentTypeVersion="11" ma:contentTypeDescription="Create a new document." ma:contentTypeScope="" ma:versionID="56d9ab79dd9b81bb69263c1b348775eb">
+  <xsd:schema xmlns:xsd="http://www.w3.org/2001/XMLSchema" xmlns:xs="http://www.w3.org/2001/XMLSchema" xmlns:p="http://schemas.microsoft.com/office/2006/metadata/properties" xmlns:ns1="http://schemas.microsoft.com/sharepoint/v3" xmlns:ns2="92d7feef-354a-48df-980f-7d01c7e6ed81" xmlns:ns3="f796a62b-71a0-4b99-a2f3-617b93043839" targetNamespace="http://schemas.microsoft.com/office/2006/metadata/properties" ma:root="true" ma:fieldsID="7d46c276b04517b2c7c47189b0382944" ns1:_="" ns2:_="" ns3:_="">
+    <xsd:import namespace="http://schemas.microsoft.com/sharepoint/v3"/>
+    <xsd:import namespace="92d7feef-354a-48df-980f-7d01c7e6ed81"/>
+    <xsd:import namespace="f796a62b-71a0-4b99-a2f3-617b93043839"/>
+    <xsd:element name="properties">
+      <xsd:complexType>
+        <xsd:sequence>
+          <xsd:element name="documentManagement">
+            <xsd:complexType>
+              <xsd:all>
+                <xsd:element ref="ns2:SharedWithUsers" minOccurs="0"/>
+                <xsd:element ref="ns1:PublishingStartDate" minOccurs="0"/>
+                <xsd:element ref="ns1:PublishingExpirationDate" minOccurs="0"/>
+                <xsd:element ref="ns2:SharedWithDetails" minOccurs="0"/>
+                <xsd:element ref="ns2:LastSharedByUser" minOccurs="0"/>
+                <xsd:element ref="ns2:LastSharedByTime" minOccurs="0"/>
+                <xsd:element ref="ns3:MediaServiceMetadata" minOccurs="0"/>
+                <xsd:element ref="ns3:MediaServiceFastMetadata" minOccurs="0"/>
+                <xsd:element ref="ns3:MediaServiceDateTaken" minOccurs="0"/>
+              </xsd:all>
+            </xsd:complexType>
+          </xsd:element>
+        </xsd:sequence>
+      </xsd:complexType>
+    </xsd:element>
+  </xsd:schema>
+  <xsd:schema xmlns:xsd="http://www.w3.org/2001/XMLSchema" xmlns:xs="http://www.w3.org/2001/XMLSchema" xmlns:dms="http://schemas.microsoft.com/office/2006/documentManagement/types" xmlns:pc="http://schemas.microsoft.com/office/infopath/2007/PartnerControls" targetNamespace="http://schemas.microsoft.com/sharepoint/v3" elementFormDefault="qualified">
+    <xsd:import namespace="http://schemas.microsoft.com/office/2006/documentManagement/types"/>
+    <xsd:import namespace="http://schemas.microsoft.com/office/infopath/2007/PartnerControls"/>
+    <xsd:element name="PublishingStartDate" ma:index="9" nillable="true" ma:displayName="Scheduling Start Date" ma:description="Scheduling Start Date is a site column created by the Publishing feature. It is used to specify the date and time on which this page will first appear to site visitors." ma:internalName="PublishingStartDate">
+      <xsd:simpleType>
+        <xsd:restriction base="dms:Unknown"/>
+      </xsd:simpleType>
+    </xsd:element>
+    <xsd:element name="PublishingExpirationDate" ma:index="10" nillable="true" ma:displayName="Scheduling End Date" ma:description="Scheduling End Date is a site column created by the Publishing feature. It is used to specify the date and time on which this page will no longer appear to site visitors." ma:internalName="PublishingExpirationDate">
+      <xsd:simpleType>
+        <xsd:restriction base="dms:Unknown"/>
+      </xsd:simpleType>
+    </xsd:element>
+  </xsd:schema>
+  <xsd:schema xmlns:xsd="http://www.w3.org/2001/XMLSchema" xmlns:xs="http://www.w3.org/2001/XMLSchema" xmlns:dms="http://schemas.microsoft.com/office/2006/documentManagement/types" xmlns:pc="http://schemas.microsoft.com/office/infopath/2007/PartnerControls" targetNamespace="92d7feef-354a-48df-980f-7d01c7e6ed81" elementFormDefault="qualified">
+    <xsd:import namespace="http://schemas.microsoft.com/office/2006/documentManagement/types"/>
+    <xsd:import namespace="http://schemas.microsoft.com/office/infopath/2007/PartnerControls"/>
+    <xsd:element name="SharedWithUsers" ma:index="2" nillable="true" ma:displayName="Shared With" ma:description="" ma:internalName="SharedWithUsers" ma:readOnly="true">
+      <xsd:complexType>
+        <xsd:complexContent>
+          <xsd:extension base="dms:UserMulti">
+            <xsd:sequence>
+              <xsd:element name="UserInfo" minOccurs="0" maxOccurs="unbounded">
+                <xsd:complexType>
+                  <xsd:sequence>
+                    <xsd:element name="DisplayName" type="xsd:string" minOccurs="0"/>
+                    <xsd:element name="AccountId" type="dms:UserId" minOccurs="0" nillable="true"/>
+                    <xsd:element name="AccountType" type="xsd:string" minOccurs="0"/>
+                  </xsd:sequence>
+                </xsd:complexType>
+              </xsd:element>
+            </xsd:sequence>
+          </xsd:extension>
+        </xsd:complexContent>
+      </xsd:complexType>
+    </xsd:element>
+    <xsd:element name="SharedWithDetails" ma:index="11" nillable="true" ma:displayName="Shared With Details" ma:description="" ma:internalName="SharedWithDetails" ma:readOnly="true">
+      <xsd:simpleType>
+        <xsd:restriction base="dms:Note">
+          <xsd:maxLength value="255"/>
+        </xsd:restriction>
+      </xsd:simpleType>
+    </xsd:element>
+    <xsd:element name="LastSharedByUser" ma:index="12" nillable="true" ma:displayName="Last Shared By User" ma:description="" ma:internalName="LastSharedByUser" ma:readOnly="true">
+      <xsd:simpleType>
+        <xsd:restriction base="dms:Note">
+          <xsd:maxLength value="255"/>
+        </xsd:restriction>
+      </xsd:simpleType>
+    </xsd:element>
+    <xsd:element name="LastSharedByTime" ma:index="13" nillable="true" ma:displayName="Last Shared By Time" ma:description="" ma:internalName="LastSharedByTime" ma:readOnly="true">
+      <xsd:simpleType>
+        <xsd:restriction base="dms:DateTime"/>
+      </xsd:simpleType>
+    </xsd:element>
+  </xsd:schema>
+  <xsd:schema xmlns:xsd="http://www.w3.org/2001/XMLSchema" xmlns:xs="http://www.w3.org/2001/XMLSchema" xmlns:dms="http://schemas.microsoft.com/office/2006/documentManagement/types" xmlns:pc="http://schemas.microsoft.com/office/infopath/2007/PartnerControls" targetNamespace="f796a62b-71a0-4b99-a2f3-617b93043839" elementFormDefault="qualified">
+    <xsd:import namespace="http://schemas.microsoft.com/office/2006/documentManagement/types"/>
+    <xsd:import namespace="http://schemas.microsoft.com/office/infopath/2007/PartnerControls"/>
+    <xsd:element name="MediaServiceMetadata" ma:index="14" nillable="true" ma:displayName="MediaServiceMetadata" ma:description="" ma:hidden="true" ma:internalName="MediaServiceMetadata" ma:readOnly="true">
+      <xsd:simpleType>
+        <xsd:restriction base="dms:Note"/>
+      </xsd:simpleType>
+    </xsd:element>
+    <xsd:element name="MediaServiceFastMetadata" ma:index="15" nillable="true" ma:displayName="MediaServiceFastMetadata" ma:description="" ma:hidden="true" ma:internalName="MediaServiceFastMetadata" ma:readOnly="true">
+      <xsd:simpleType>
+        <xsd:restriction base="dms:Note"/>
+      </xsd:simpleType>
+    </xsd:element>
+    <xsd:element name="MediaServiceDateTaken" ma:index="16" nillable="true" ma:displayName="MediaServiceDateTaken" ma:description="" ma:hidden="true" ma:internalName="MediaServiceDateTaken" ma:readOnly="true">
+      <xsd:simpleType>
+        <xsd:restriction base="dms:Text"/>
+      </xsd:simpleType>
+    </xsd:element>
+  </xsd:schema>
+  <xsd:schema xmlns="http://schemas.openxmlformats.org/package/2006/metadata/core-properties" xmlns:xsd="http://www.w3.org/2001/XMLSchema" xmlns:xsi="http://www.w3.org/2001/XMLSchema-instance" xmlns:dc="http://purl.org/dc/elements/1.1/" xmlns:dcterms="http://purl.org/dc/terms/" xmlns:odoc="http://schemas.microsoft.com/internal/obd" targetNamespace="http://schemas.openxmlformats.org/package/2006/metadata/core-properties" elementFormDefault="qualified" attributeFormDefault="unqualified" blockDefault="#all">
+    <xsd:import namespace="http://purl.org/dc/elements/1.1/" schemaLocation="http://dublincore.org/schemas/xmls/qdc/2003/04/02/dc.xsd"/>
+    <xsd:import namespace="http://purl.org/dc/terms/" schemaLocation="http://dublincore.org/schemas/xmls/qdc/2003/04/02/dcterms.xsd"/>
+    <xsd:element name="coreProperties" type="CT_coreProperties"/>
+    <xsd:complexType name="CT_coreProperties">
+      <xsd:all>
+        <xsd:element ref="dc:creator" minOccurs="0" maxOccurs="1"/>
+        <xsd:element ref="dcterms:created" minOccurs="0" maxOccurs="1"/>
+        <xsd:element ref="dc:identifier" minOccurs="0" maxOccurs="1"/>
+        <xsd:element name="contentType" minOccurs="0" maxOccurs="1" type="xsd:string" ma:index="8" ma:displayName="Content Type"/>
+        <xsd:element ref="dc:title" minOccurs="0" maxOccurs="1" ma:index="1" ma:displayName="Title"/>
+        <xsd:element ref="dc:subject" minOccurs="0" maxOccurs="1"/>
+        <xsd:element ref="dc:description" minOccurs="0" maxOccurs="1"/>
+        <xsd:element name="keywords" minOccurs="0" maxOccurs="1" type="xsd:string"/>
+        <xsd:element ref="dc:language" minOccurs="0" maxOccurs="1"/>
+        <xsd:element name="category" minOccurs="0" maxOccurs="1" type="xsd:string"/>
+        <xsd:element name="version" minOccurs="0" maxOccurs="1" type="xsd:string"/>
+        <xsd:element name="revision" minOccurs="0" maxOccurs="1" type="xsd:string">
+          <xsd:annotation>
+            <xsd:documentation>
+                        This value indicates the number of saves or revisions. The application is responsible for updating this value after each revision.
+                    </xsd:documentation>
+          </xsd:annotation>
+        </xsd:element>
+        <xsd:element name="lastModifiedBy" minOccurs="0" maxOccurs="1" type="xsd:string"/>
+        <xsd:element ref="dcterms:modified" minOccurs="0" maxOccurs="1"/>
+        <xsd:element name="contentStatus" minOccurs="0" maxOccurs="1" type="xsd:string"/>
+      </xsd:all>
+    </xsd:complexType>
+  </xsd:schema>
+  <xs:schema xmlns:pc="http://schemas.microsoft.com/office/infopath/2007/PartnerControls" xmlns:xs="http://www.w3.org/2001/XMLSchema" targetNamespace="http://schemas.microsoft.com/office/infopath/2007/PartnerControls" elementFormDefault="qualified" attributeFormDefault="unqualified">
+    <xs:element name="Person">
+      <xs:complexType>
+        <xs:sequence>
+          <xs:element ref="pc:DisplayName" minOccurs="0"/>
+          <xs:element ref="pc:AccountId" minOccurs="0"/>
+          <xs:element ref="pc:AccountType" minOccurs="0"/>
+        </xs:sequence>
+      </xs:complexType>
+    </xs:element>
+    <xs:element name="DisplayName" type="xs:string"/>
+    <xs:element name="AccountId" type="xs:string"/>
+    <xs:element name="AccountType" type="xs:string"/>
+    <xs:element name="BDCAssociatedEntity">
+      <xs:complexType>
+        <xs:sequence>
+          <xs:element ref="pc:BDCEntity" minOccurs="0" maxOccurs="unbounded"/>
+        </xs:sequence>
+        <xs:attribute ref="pc:EntityNamespace"/>
+        <xs:attribute ref="pc:EntityName"/>
+        <xs:attribute ref="pc:SystemInstanceName"/>
+        <xs:attribute ref="pc:AssociationName"/>
+      </xs:complexType>
+    </xs:element>
+    <xs:attribute name="EntityNamespace" type="xs:string"/>
+    <xs:attribute name="EntityName" type="xs:string"/>
+    <xs:attribute name="SystemInstanceName" type="xs:string"/>
+    <xs:attribute name="AssociationName" type="xs:string"/>
+    <xs:element name="BDCEntity">
+      <xs:complexType>
+        <xs:sequence>
+          <xs:element ref="pc:EntityDisplayName" minOccurs="0"/>
+          <xs:element ref="pc:EntityInstanceReference" minOccurs="0"/>
+          <xs:element ref="pc:EntityId1" minOccurs="0"/>
+          <xs:element ref="pc:EntityId2" minOccurs="0"/>
+          <xs:element ref="pc:EntityId3" minOccurs="0"/>
+          <xs:element ref="pc:EntityId4" minOccurs="0"/>
+          <xs:element ref="pc:EntityId5" minOccurs="0"/>
+        </xs:sequence>
+      </xs:complexType>
+    </xs:element>
+    <xs:element name="EntityDisplayName" type="xs:string"/>
+    <xs:element name="EntityInstanceReference" type="xs:string"/>
+    <xs:element name="EntityId1" type="xs:string"/>
+    <xs:element name="EntityId2" type="xs:string"/>
+    <xs:element name="EntityId3" type="xs:string"/>
+    <xs:element name="EntityId4" type="xs:string"/>
+    <xs:element name="EntityId5" type="xs:string"/>
+    <xs:element name="Terms">
+      <xs:complexType>
+        <xs:sequence>
+          <xs:element ref="pc:TermInfo" minOccurs="0" maxOccurs="unbounded"/>
+        </xs:sequence>
+      </xs:complexType>
+    </xs:element>
+    <xs:element name="TermInfo">
+      <xs:complexType>
+        <xs:sequence>
+          <xs:element ref="pc:TermName" minOccurs="0"/>
+          <xs:element ref="pc:TermId" minOccurs="0"/>
+        </xs:sequence>
+      </xs:complexType>
+    </xs:element>
+    <xs:element name="TermName" type="xs:string"/>
+    <xs:element name="TermId" type="xs:string"/>
+  </xs:schema>
+</ct:contentTypeSchema>
+</file>
+
+<file path=customXml/item2.xml><?xml version="1.0" encoding="utf-8"?>
+<?mso-contentType ?>
+<FormTemplates xmlns="http://schemas.microsoft.com/sharepoint/v3/contenttype/forms">
+  <Display>DocumentLibraryForm</Display>
+  <Edit>DocumentLibraryForm</Edit>
+  <New>DocumentLibraryForm</New>
+</FormTemplates>
+</file>
+
+<file path=customXml/item3.xml><?xml version="1.0" encoding="utf-8"?>
+<p:properties xmlns:p="http://schemas.microsoft.com/office/2006/metadata/properties" xmlns:xsi="http://www.w3.org/2001/XMLSchema-instance" xmlns:pc="http://schemas.microsoft.com/office/infopath/2007/PartnerControls">
+  <documentManagement>
+    <PublishingExpirationDate xmlns="http://schemas.microsoft.com/sharepoint/v3" xsi:nil="true"/>
+    <PublishingStartDate xmlns="http://schemas.microsoft.com/sharepoint/v3" xsi:nil="true"/>
+  </documentManagement>
+</p:properties>
+</file>
+
+<file path=customXml/itemProps1.xml><?xml version="1.0" encoding="utf-8"?>
+<ds:datastoreItem xmlns:ds="http://schemas.openxmlformats.org/officeDocument/2006/customXml" ds:itemID="{FA1E3146-910C-410D-BFAB-0B670795289F}">
+  <ds:schemaRefs>
+    <ds:schemaRef ds:uri="http://schemas.microsoft.com/office/2006/metadata/contentType"/>
+    <ds:schemaRef ds:uri="http://schemas.microsoft.com/office/2006/metadata/properties/metaAttributes"/>
+    <ds:schemaRef ds:uri="http://www.w3.org/2001/XMLSchema"/>
+    <ds:schemaRef ds:uri="http://schemas.microsoft.com/office/2006/metadata/properties"/>
+    <ds:schemaRef ds:uri="http://schemas.microsoft.com/sharepoint/v3"/>
+    <ds:schemaRef ds:uri="92d7feef-354a-48df-980f-7d01c7e6ed81"/>
+    <ds:schemaRef ds:uri="f796a62b-71a0-4b99-a2f3-617b93043839"/>
+    <ds:schemaRef ds:uri="http://schemas.microsoft.com/office/2006/documentManagement/types"/>
+    <ds:schemaRef ds:uri="http://schemas.microsoft.com/office/infopath/2007/PartnerControls"/>
+    <ds:schemaRef ds:uri="http://schemas.openxmlformats.org/package/2006/metadata/core-properties"/>
+    <ds:schemaRef ds:uri="http://purl.org/dc/elements/1.1/"/>
+    <ds:schemaRef ds:uri="http://purl.org/dc/terms/"/>
+    <ds:schemaRef ds:uri="http://schemas.microsoft.com/internal/obd"/>
+  </ds:schemaRefs>
+</ds:datastoreItem>
+</file>
+
+<file path=customXml/itemProps2.xml><?xml version="1.0" encoding="utf-8"?>
+<ds:datastoreItem xmlns:ds="http://schemas.openxmlformats.org/officeDocument/2006/customXml" ds:itemID="{16225253-8BDF-4B6A-997F-4E6D7151A666}">
+  <ds:schemaRefs>
+    <ds:schemaRef ds:uri="http://schemas.microsoft.com/sharepoint/v3/contenttype/forms"/>
+  </ds:schemaRefs>
+</ds:datastoreItem>
+</file>
+
+<file path=customXml/itemProps3.xml><?xml version="1.0" encoding="utf-8"?>
+<ds:datastoreItem xmlns:ds="http://schemas.openxmlformats.org/officeDocument/2006/customXml" ds:itemID="{9B22CFAA-BA4A-4B23-8A18-14D6BD5641FA}">
+  <ds:schemaRefs>
+    <ds:schemaRef ds:uri="http://purl.org/dc/elements/1.1/"/>
+    <ds:schemaRef ds:uri="http://schemas.microsoft.com/office/2006/metadata/properties"/>
+    <ds:schemaRef ds:uri="http://schemas.microsoft.com/sharepoint/v3"/>
+    <ds:schemaRef ds:uri="http://purl.org/dc/terms/"/>
+    <ds:schemaRef ds:uri="http://schemas.openxmlformats.org/package/2006/metadata/core-properties"/>
+    <ds:schemaRef ds:uri="http://schemas.microsoft.com/office/2006/documentManagement/types"/>
+    <ds:schemaRef ds:uri="http://schemas.microsoft.com/office/infopath/2007/PartnerControls"/>
+    <ds:schemaRef ds:uri="f796a62b-71a0-4b99-a2f3-617b93043839"/>
+    <ds:schemaRef ds:uri="92d7feef-354a-48df-980f-7d01c7e6ed81"/>
+    <ds:schemaRef ds:uri="http://www.w3.org/XML/1998/namespace"/>
+    <ds:schemaRef ds:uri="http://purl.org/dc/dcmitype/"/>
+  </ds:schemaRefs>
+</ds:datastoreItem>
 </file>